--- a/지하철 토끼 리소스.pptx
+++ b/지하철 토끼 리소스.pptx
@@ -7,6 +7,7 @@
   <p:sldIdLst>
     <p:sldId id="256" r:id="rId2"/>
     <p:sldId id="257" r:id="rId3"/>
+    <p:sldId id="258" r:id="rId4"/>
   </p:sldIdLst>
   <p:sldSz cx="12192000" cy="6858000"/>
   <p:notesSz cx="6858000" cy="9144000"/>
@@ -244,7 +245,7 @@
           <a:p>
             <a:fld id="{E3D84610-294B-409D-8F92-E480B0AC3E15}" type="datetimeFigureOut">
               <a:rPr lang="ko-KR" altLang="en-US" smtClean="0"/>
-              <a:t>2017-06-26</a:t>
+              <a:t>2017-07-07</a:t>
             </a:fld>
             <a:endParaRPr lang="ko-KR" altLang="en-US"/>
           </a:p>
@@ -414,7 +415,7 @@
           <a:p>
             <a:fld id="{E3D84610-294B-409D-8F92-E480B0AC3E15}" type="datetimeFigureOut">
               <a:rPr lang="ko-KR" altLang="en-US" smtClean="0"/>
-              <a:t>2017-06-26</a:t>
+              <a:t>2017-07-07</a:t>
             </a:fld>
             <a:endParaRPr lang="ko-KR" altLang="en-US"/>
           </a:p>
@@ -594,7 +595,7 @@
           <a:p>
             <a:fld id="{E3D84610-294B-409D-8F92-E480B0AC3E15}" type="datetimeFigureOut">
               <a:rPr lang="ko-KR" altLang="en-US" smtClean="0"/>
-              <a:t>2017-06-26</a:t>
+              <a:t>2017-07-07</a:t>
             </a:fld>
             <a:endParaRPr lang="ko-KR" altLang="en-US"/>
           </a:p>
@@ -764,7 +765,7 @@
           <a:p>
             <a:fld id="{E3D84610-294B-409D-8F92-E480B0AC3E15}" type="datetimeFigureOut">
               <a:rPr lang="ko-KR" altLang="en-US" smtClean="0"/>
-              <a:t>2017-06-26</a:t>
+              <a:t>2017-07-07</a:t>
             </a:fld>
             <a:endParaRPr lang="ko-KR" altLang="en-US"/>
           </a:p>
@@ -1010,7 +1011,7 @@
           <a:p>
             <a:fld id="{E3D84610-294B-409D-8F92-E480B0AC3E15}" type="datetimeFigureOut">
               <a:rPr lang="ko-KR" altLang="en-US" smtClean="0"/>
-              <a:t>2017-06-26</a:t>
+              <a:t>2017-07-07</a:t>
             </a:fld>
             <a:endParaRPr lang="ko-KR" altLang="en-US"/>
           </a:p>
@@ -1242,7 +1243,7 @@
           <a:p>
             <a:fld id="{E3D84610-294B-409D-8F92-E480B0AC3E15}" type="datetimeFigureOut">
               <a:rPr lang="ko-KR" altLang="en-US" smtClean="0"/>
-              <a:t>2017-06-26</a:t>
+              <a:t>2017-07-07</a:t>
             </a:fld>
             <a:endParaRPr lang="ko-KR" altLang="en-US"/>
           </a:p>
@@ -1609,7 +1610,7 @@
           <a:p>
             <a:fld id="{E3D84610-294B-409D-8F92-E480B0AC3E15}" type="datetimeFigureOut">
               <a:rPr lang="ko-KR" altLang="en-US" smtClean="0"/>
-              <a:t>2017-06-26</a:t>
+              <a:t>2017-07-07</a:t>
             </a:fld>
             <a:endParaRPr lang="ko-KR" altLang="en-US"/>
           </a:p>
@@ -1727,7 +1728,7 @@
           <a:p>
             <a:fld id="{E3D84610-294B-409D-8F92-E480B0AC3E15}" type="datetimeFigureOut">
               <a:rPr lang="ko-KR" altLang="en-US" smtClean="0"/>
-              <a:t>2017-06-26</a:t>
+              <a:t>2017-07-07</a:t>
             </a:fld>
             <a:endParaRPr lang="ko-KR" altLang="en-US"/>
           </a:p>
@@ -1822,7 +1823,7 @@
           <a:p>
             <a:fld id="{E3D84610-294B-409D-8F92-E480B0AC3E15}" type="datetimeFigureOut">
               <a:rPr lang="ko-KR" altLang="en-US" smtClean="0"/>
-              <a:t>2017-06-26</a:t>
+              <a:t>2017-07-07</a:t>
             </a:fld>
             <a:endParaRPr lang="ko-KR" altLang="en-US"/>
           </a:p>
@@ -2099,7 +2100,7 @@
           <a:p>
             <a:fld id="{E3D84610-294B-409D-8F92-E480B0AC3E15}" type="datetimeFigureOut">
               <a:rPr lang="ko-KR" altLang="en-US" smtClean="0"/>
-              <a:t>2017-06-26</a:t>
+              <a:t>2017-07-07</a:t>
             </a:fld>
             <a:endParaRPr lang="ko-KR" altLang="en-US"/>
           </a:p>
@@ -2352,7 +2353,7 @@
           <a:p>
             <a:fld id="{E3D84610-294B-409D-8F92-E480B0AC3E15}" type="datetimeFigureOut">
               <a:rPr lang="ko-KR" altLang="en-US" smtClean="0"/>
-              <a:t>2017-06-26</a:t>
+              <a:t>2017-07-07</a:t>
             </a:fld>
             <a:endParaRPr lang="ko-KR" altLang="en-US"/>
           </a:p>
@@ -2565,7 +2566,7 @@
           <a:p>
             <a:fld id="{E3D84610-294B-409D-8F92-E480B0AC3E15}" type="datetimeFigureOut">
               <a:rPr lang="ko-KR" altLang="en-US" smtClean="0"/>
-              <a:t>2017-06-26</a:t>
+              <a:t>2017-07-07</a:t>
             </a:fld>
             <a:endParaRPr lang="ko-KR" altLang="en-US"/>
           </a:p>
@@ -3544,6 +3545,835 @@
 </p:sld>
 </file>
 
+<file path=ppt/slides/slide3.xml><?xml version="1.0" encoding="utf-8"?>
+<p:sld xmlns:a="http://schemas.openxmlformats.org/drawingml/2006/main" xmlns:r="http://schemas.openxmlformats.org/officeDocument/2006/relationships" xmlns:p="http://schemas.openxmlformats.org/presentationml/2006/main">
+  <p:cSld>
+    <p:bg>
+      <p:bgPr>
+        <a:solidFill>
+          <a:schemeClr val="bg2">
+            <a:lumMod val="90000"/>
+          </a:schemeClr>
+        </a:solidFill>
+        <a:effectLst/>
+      </p:bgPr>
+    </p:bg>
+    <p:spTree>
+      <p:nvGrpSpPr>
+        <p:cNvPr id="1" name=""/>
+        <p:cNvGrpSpPr/>
+        <p:nvPr/>
+      </p:nvGrpSpPr>
+      <p:grpSpPr>
+        <a:xfrm>
+          <a:off x="0" y="0"/>
+          <a:ext cx="0" cy="0"/>
+          <a:chOff x="0" y="0"/>
+          <a:chExt cx="0" cy="0"/>
+        </a:xfrm>
+      </p:grpSpPr>
+      <p:grpSp>
+        <p:nvGrpSpPr>
+          <p:cNvPr id="9" name="그룹 8"/>
+          <p:cNvGrpSpPr/>
+          <p:nvPr/>
+        </p:nvGrpSpPr>
+        <p:grpSpPr>
+          <a:xfrm>
+            <a:off x="384760" y="391886"/>
+            <a:ext cx="4101738" cy="3356601"/>
+            <a:chOff x="3709851" y="1306286"/>
+            <a:chExt cx="4101738" cy="3356601"/>
+          </a:xfrm>
+        </p:grpSpPr>
+        <p:sp>
+          <p:nvSpPr>
+            <p:cNvPr id="6" name="달 5"/>
+            <p:cNvSpPr/>
+            <p:nvPr/>
+          </p:nvSpPr>
+          <p:spPr>
+            <a:xfrm rot="11676298">
+              <a:off x="4218598" y="2748676"/>
+              <a:ext cx="1214365" cy="1914211"/>
+            </a:xfrm>
+            <a:prstGeom prst="moon">
+              <a:avLst>
+                <a:gd name="adj" fmla="val 70899"/>
+              </a:avLst>
+            </a:prstGeom>
+            <a:solidFill>
+              <a:schemeClr val="bg1"/>
+            </a:solidFill>
+            <a:ln w="190500">
+              <a:solidFill>
+                <a:schemeClr val="tx1"/>
+              </a:solidFill>
+            </a:ln>
+          </p:spPr>
+          <p:style>
+            <a:lnRef idx="2">
+              <a:schemeClr val="accent1">
+                <a:shade val="50000"/>
+              </a:schemeClr>
+            </a:lnRef>
+            <a:fillRef idx="1">
+              <a:schemeClr val="accent1"/>
+            </a:fillRef>
+            <a:effectRef idx="0">
+              <a:schemeClr val="accent1"/>
+            </a:effectRef>
+            <a:fontRef idx="minor">
+              <a:schemeClr val="lt1"/>
+            </a:fontRef>
+          </p:style>
+          <p:txBody>
+            <a:bodyPr rtlCol="0" anchor="ctr"/>
+            <a:lstStyle/>
+            <a:p>
+              <a:pPr algn="ctr"/>
+              <a:endParaRPr lang="ko-KR" altLang="en-US"/>
+            </a:p>
+          </p:txBody>
+        </p:sp>
+        <p:sp>
+          <p:nvSpPr>
+            <p:cNvPr id="5" name="타원 4"/>
+            <p:cNvSpPr/>
+            <p:nvPr/>
+          </p:nvSpPr>
+          <p:spPr>
+            <a:xfrm>
+              <a:off x="3709851" y="1306286"/>
+              <a:ext cx="4101738" cy="2991394"/>
+            </a:xfrm>
+            <a:prstGeom prst="ellipse">
+              <a:avLst/>
+            </a:prstGeom>
+            <a:solidFill>
+              <a:schemeClr val="bg1"/>
+            </a:solidFill>
+            <a:ln w="190500">
+              <a:solidFill>
+                <a:schemeClr val="tx1"/>
+              </a:solidFill>
+            </a:ln>
+          </p:spPr>
+          <p:style>
+            <a:lnRef idx="2">
+              <a:schemeClr val="accent1">
+                <a:shade val="50000"/>
+              </a:schemeClr>
+            </a:lnRef>
+            <a:fillRef idx="1">
+              <a:schemeClr val="accent1"/>
+            </a:fillRef>
+            <a:effectRef idx="0">
+              <a:schemeClr val="accent1"/>
+            </a:effectRef>
+            <a:fontRef idx="minor">
+              <a:schemeClr val="lt1"/>
+            </a:fontRef>
+          </p:style>
+          <p:txBody>
+            <a:bodyPr rtlCol="0" anchor="ctr"/>
+            <a:lstStyle/>
+            <a:p>
+              <a:pPr algn="ctr"/>
+              <a:endParaRPr lang="ko-KR" altLang="en-US"/>
+            </a:p>
+          </p:txBody>
+        </p:sp>
+        <p:sp>
+          <p:nvSpPr>
+            <p:cNvPr id="8" name="달 7"/>
+            <p:cNvSpPr/>
+            <p:nvPr/>
+          </p:nvSpPr>
+          <p:spPr>
+            <a:xfrm rot="11420503">
+              <a:off x="4484841" y="2824798"/>
+              <a:ext cx="902488" cy="1648962"/>
+            </a:xfrm>
+            <a:prstGeom prst="moon">
+              <a:avLst>
+                <a:gd name="adj" fmla="val 83299"/>
+              </a:avLst>
+            </a:prstGeom>
+            <a:solidFill>
+              <a:schemeClr val="bg1"/>
+            </a:solidFill>
+            <a:ln w="190500">
+              <a:noFill/>
+            </a:ln>
+          </p:spPr>
+          <p:style>
+            <a:lnRef idx="2">
+              <a:schemeClr val="accent1">
+                <a:shade val="50000"/>
+              </a:schemeClr>
+            </a:lnRef>
+            <a:fillRef idx="1">
+              <a:schemeClr val="accent1"/>
+            </a:fillRef>
+            <a:effectRef idx="0">
+              <a:schemeClr val="accent1"/>
+            </a:effectRef>
+            <a:fontRef idx="minor">
+              <a:schemeClr val="lt1"/>
+            </a:fontRef>
+          </p:style>
+          <p:txBody>
+            <a:bodyPr rtlCol="0" anchor="ctr"/>
+            <a:lstStyle/>
+            <a:p>
+              <a:pPr algn="ctr"/>
+              <a:endParaRPr lang="ko-KR" altLang="en-US"/>
+            </a:p>
+          </p:txBody>
+        </p:sp>
+      </p:grpSp>
+      <p:sp>
+        <p:nvSpPr>
+          <p:cNvPr id="10" name="타원 9"/>
+          <p:cNvSpPr/>
+          <p:nvPr/>
+        </p:nvSpPr>
+        <p:spPr>
+          <a:xfrm>
+            <a:off x="1230689" y="1617583"/>
+            <a:ext cx="540000" cy="540000"/>
+          </a:xfrm>
+          <a:prstGeom prst="ellipse">
+            <a:avLst/>
+          </a:prstGeom>
+          <a:solidFill>
+            <a:schemeClr val="tx1"/>
+          </a:solidFill>
+          <a:ln>
+            <a:noFill/>
+          </a:ln>
+        </p:spPr>
+        <p:style>
+          <a:lnRef idx="2">
+            <a:schemeClr val="accent1">
+              <a:shade val="50000"/>
+            </a:schemeClr>
+          </a:lnRef>
+          <a:fillRef idx="1">
+            <a:schemeClr val="accent1"/>
+          </a:fillRef>
+          <a:effectRef idx="0">
+            <a:schemeClr val="accent1"/>
+          </a:effectRef>
+          <a:fontRef idx="minor">
+            <a:schemeClr val="lt1"/>
+          </a:fontRef>
+        </p:style>
+        <p:txBody>
+          <a:bodyPr rtlCol="0" anchor="ctr"/>
+          <a:lstStyle/>
+          <a:p>
+            <a:pPr algn="ctr"/>
+            <a:endParaRPr lang="ko-KR" altLang="en-US"/>
+          </a:p>
+        </p:txBody>
+      </p:sp>
+      <p:grpSp>
+        <p:nvGrpSpPr>
+          <p:cNvPr id="30" name="그룹 29"/>
+          <p:cNvGrpSpPr/>
+          <p:nvPr/>
+        </p:nvGrpSpPr>
+        <p:grpSpPr>
+          <a:xfrm>
+            <a:off x="4833780" y="391886"/>
+            <a:ext cx="4101738" cy="3356601"/>
+            <a:chOff x="4833780" y="391886"/>
+            <a:chExt cx="4101738" cy="3356601"/>
+          </a:xfrm>
+        </p:grpSpPr>
+        <p:grpSp>
+          <p:nvGrpSpPr>
+            <p:cNvPr id="12" name="그룹 11"/>
+            <p:cNvGrpSpPr/>
+            <p:nvPr/>
+          </p:nvGrpSpPr>
+          <p:grpSpPr>
+            <a:xfrm>
+              <a:off x="4833780" y="391886"/>
+              <a:ext cx="4101738" cy="3356601"/>
+              <a:chOff x="3709851" y="1306286"/>
+              <a:chExt cx="4101738" cy="3356601"/>
+            </a:xfrm>
+          </p:grpSpPr>
+          <p:sp>
+            <p:nvSpPr>
+              <p:cNvPr id="13" name="달 12"/>
+              <p:cNvSpPr/>
+              <p:nvPr/>
+            </p:nvSpPr>
+            <p:spPr>
+              <a:xfrm rot="11676298">
+                <a:off x="4218598" y="2748676"/>
+                <a:ext cx="1214365" cy="1914211"/>
+              </a:xfrm>
+              <a:prstGeom prst="moon">
+                <a:avLst>
+                  <a:gd name="adj" fmla="val 70899"/>
+                </a:avLst>
+              </a:prstGeom>
+              <a:solidFill>
+                <a:schemeClr val="bg1"/>
+              </a:solidFill>
+              <a:ln w="190500">
+                <a:solidFill>
+                  <a:schemeClr val="tx1"/>
+                </a:solidFill>
+              </a:ln>
+            </p:spPr>
+            <p:style>
+              <a:lnRef idx="2">
+                <a:schemeClr val="accent1">
+                  <a:shade val="50000"/>
+                </a:schemeClr>
+              </a:lnRef>
+              <a:fillRef idx="1">
+                <a:schemeClr val="accent1"/>
+              </a:fillRef>
+              <a:effectRef idx="0">
+                <a:schemeClr val="accent1"/>
+              </a:effectRef>
+              <a:fontRef idx="minor">
+                <a:schemeClr val="lt1"/>
+              </a:fontRef>
+            </p:style>
+            <p:txBody>
+              <a:bodyPr rtlCol="0" anchor="ctr"/>
+              <a:lstStyle/>
+              <a:p>
+                <a:pPr algn="ctr"/>
+                <a:endParaRPr lang="ko-KR" altLang="en-US"/>
+              </a:p>
+            </p:txBody>
+          </p:sp>
+          <p:sp>
+            <p:nvSpPr>
+              <p:cNvPr id="14" name="타원 13"/>
+              <p:cNvSpPr/>
+              <p:nvPr/>
+            </p:nvSpPr>
+            <p:spPr>
+              <a:xfrm>
+                <a:off x="3709851" y="1306286"/>
+                <a:ext cx="4101738" cy="2991394"/>
+              </a:xfrm>
+              <a:prstGeom prst="ellipse">
+                <a:avLst/>
+              </a:prstGeom>
+              <a:solidFill>
+                <a:schemeClr val="bg1"/>
+              </a:solidFill>
+              <a:ln w="190500">
+                <a:solidFill>
+                  <a:schemeClr val="tx1"/>
+                </a:solidFill>
+              </a:ln>
+            </p:spPr>
+            <p:style>
+              <a:lnRef idx="2">
+                <a:schemeClr val="accent1">
+                  <a:shade val="50000"/>
+                </a:schemeClr>
+              </a:lnRef>
+              <a:fillRef idx="1">
+                <a:schemeClr val="accent1"/>
+              </a:fillRef>
+              <a:effectRef idx="0">
+                <a:schemeClr val="accent1"/>
+              </a:effectRef>
+              <a:fontRef idx="minor">
+                <a:schemeClr val="lt1"/>
+              </a:fontRef>
+            </p:style>
+            <p:txBody>
+              <a:bodyPr rtlCol="0" anchor="ctr"/>
+              <a:lstStyle/>
+              <a:p>
+                <a:pPr algn="ctr"/>
+                <a:endParaRPr lang="ko-KR" altLang="en-US"/>
+              </a:p>
+            </p:txBody>
+          </p:sp>
+          <p:sp>
+            <p:nvSpPr>
+              <p:cNvPr id="15" name="달 14"/>
+              <p:cNvSpPr/>
+              <p:nvPr/>
+            </p:nvSpPr>
+            <p:spPr>
+              <a:xfrm rot="11420503">
+                <a:off x="4484841" y="2824798"/>
+                <a:ext cx="902488" cy="1648962"/>
+              </a:xfrm>
+              <a:prstGeom prst="moon">
+                <a:avLst>
+                  <a:gd name="adj" fmla="val 83299"/>
+                </a:avLst>
+              </a:prstGeom>
+              <a:solidFill>
+                <a:schemeClr val="bg1"/>
+              </a:solidFill>
+              <a:ln w="190500">
+                <a:noFill/>
+              </a:ln>
+            </p:spPr>
+            <p:style>
+              <a:lnRef idx="2">
+                <a:schemeClr val="accent1">
+                  <a:shade val="50000"/>
+                </a:schemeClr>
+              </a:lnRef>
+              <a:fillRef idx="1">
+                <a:schemeClr val="accent1"/>
+              </a:fillRef>
+              <a:effectRef idx="0">
+                <a:schemeClr val="accent1"/>
+              </a:effectRef>
+              <a:fontRef idx="minor">
+                <a:schemeClr val="lt1"/>
+              </a:fontRef>
+            </p:style>
+            <p:txBody>
+              <a:bodyPr rtlCol="0" anchor="ctr"/>
+              <a:lstStyle/>
+              <a:p>
+                <a:pPr algn="ctr"/>
+                <a:endParaRPr lang="ko-KR" altLang="en-US"/>
+              </a:p>
+            </p:txBody>
+          </p:sp>
+        </p:grpSp>
+        <p:sp>
+          <p:nvSpPr>
+            <p:cNvPr id="16" name="타원 15"/>
+            <p:cNvSpPr/>
+            <p:nvPr/>
+          </p:nvSpPr>
+          <p:spPr>
+            <a:xfrm>
+              <a:off x="5679709" y="1617583"/>
+              <a:ext cx="540000" cy="540000"/>
+            </a:xfrm>
+            <a:prstGeom prst="ellipse">
+              <a:avLst/>
+            </a:prstGeom>
+            <a:solidFill>
+              <a:schemeClr val="tx1"/>
+            </a:solidFill>
+            <a:ln>
+              <a:noFill/>
+            </a:ln>
+          </p:spPr>
+          <p:style>
+            <a:lnRef idx="2">
+              <a:schemeClr val="accent1">
+                <a:shade val="50000"/>
+              </a:schemeClr>
+            </a:lnRef>
+            <a:fillRef idx="1">
+              <a:schemeClr val="accent1"/>
+            </a:fillRef>
+            <a:effectRef idx="0">
+              <a:schemeClr val="accent1"/>
+            </a:effectRef>
+            <a:fontRef idx="minor">
+              <a:schemeClr val="lt1"/>
+            </a:fontRef>
+          </p:style>
+          <p:txBody>
+            <a:bodyPr rtlCol="0" anchor="ctr"/>
+            <a:lstStyle/>
+            <a:p>
+              <a:pPr algn="ctr"/>
+              <a:endParaRPr lang="ko-KR" altLang="en-US"/>
+            </a:p>
+          </p:txBody>
+        </p:sp>
+        <p:sp>
+          <p:nvSpPr>
+            <p:cNvPr id="22" name="타원 21"/>
+            <p:cNvSpPr/>
+            <p:nvPr/>
+          </p:nvSpPr>
+          <p:spPr>
+            <a:xfrm>
+              <a:off x="6729219" y="1617583"/>
+              <a:ext cx="540000" cy="540000"/>
+            </a:xfrm>
+            <a:prstGeom prst="ellipse">
+              <a:avLst/>
+            </a:prstGeom>
+            <a:solidFill>
+              <a:schemeClr val="tx1"/>
+            </a:solidFill>
+            <a:ln>
+              <a:noFill/>
+            </a:ln>
+          </p:spPr>
+          <p:style>
+            <a:lnRef idx="2">
+              <a:schemeClr val="accent1">
+                <a:shade val="50000"/>
+              </a:schemeClr>
+            </a:lnRef>
+            <a:fillRef idx="1">
+              <a:schemeClr val="accent1"/>
+            </a:fillRef>
+            <a:effectRef idx="0">
+              <a:schemeClr val="accent1"/>
+            </a:effectRef>
+            <a:fontRef idx="minor">
+              <a:schemeClr val="lt1"/>
+            </a:fontRef>
+          </p:style>
+          <p:txBody>
+            <a:bodyPr rtlCol="0" anchor="ctr"/>
+            <a:lstStyle/>
+            <a:p>
+              <a:pPr algn="ctr"/>
+              <a:endParaRPr lang="ko-KR" altLang="en-US"/>
+            </a:p>
+          </p:txBody>
+        </p:sp>
+      </p:grpSp>
+      <p:grpSp>
+        <p:nvGrpSpPr>
+          <p:cNvPr id="31" name="그룹 30"/>
+          <p:cNvGrpSpPr/>
+          <p:nvPr/>
+        </p:nvGrpSpPr>
+        <p:grpSpPr>
+          <a:xfrm>
+            <a:off x="7269219" y="3501399"/>
+            <a:ext cx="4101738" cy="3356601"/>
+            <a:chOff x="7269219" y="3501399"/>
+            <a:chExt cx="4101738" cy="3356601"/>
+          </a:xfrm>
+        </p:grpSpPr>
+        <p:grpSp>
+          <p:nvGrpSpPr>
+            <p:cNvPr id="23" name="그룹 22"/>
+            <p:cNvGrpSpPr/>
+            <p:nvPr/>
+          </p:nvGrpSpPr>
+          <p:grpSpPr>
+            <a:xfrm>
+              <a:off x="7269219" y="3501399"/>
+              <a:ext cx="4101738" cy="3356601"/>
+              <a:chOff x="3709851" y="1306286"/>
+              <a:chExt cx="4101738" cy="3356601"/>
+            </a:xfrm>
+          </p:grpSpPr>
+          <p:sp>
+            <p:nvSpPr>
+              <p:cNvPr id="24" name="달 23"/>
+              <p:cNvSpPr/>
+              <p:nvPr/>
+            </p:nvSpPr>
+            <p:spPr>
+              <a:xfrm rot="11676298">
+                <a:off x="4218598" y="2748676"/>
+                <a:ext cx="1214365" cy="1914211"/>
+              </a:xfrm>
+              <a:prstGeom prst="moon">
+                <a:avLst>
+                  <a:gd name="adj" fmla="val 70899"/>
+                </a:avLst>
+              </a:prstGeom>
+              <a:solidFill>
+                <a:schemeClr val="bg1"/>
+              </a:solidFill>
+              <a:ln w="190500">
+                <a:solidFill>
+                  <a:schemeClr val="tx1"/>
+                </a:solidFill>
+              </a:ln>
+            </p:spPr>
+            <p:style>
+              <a:lnRef idx="2">
+                <a:schemeClr val="accent1">
+                  <a:shade val="50000"/>
+                </a:schemeClr>
+              </a:lnRef>
+              <a:fillRef idx="1">
+                <a:schemeClr val="accent1"/>
+              </a:fillRef>
+              <a:effectRef idx="0">
+                <a:schemeClr val="accent1"/>
+              </a:effectRef>
+              <a:fontRef idx="minor">
+                <a:schemeClr val="lt1"/>
+              </a:fontRef>
+            </p:style>
+            <p:txBody>
+              <a:bodyPr rtlCol="0" anchor="ctr"/>
+              <a:lstStyle/>
+              <a:p>
+                <a:pPr algn="ctr"/>
+                <a:endParaRPr lang="ko-KR" altLang="en-US"/>
+              </a:p>
+            </p:txBody>
+          </p:sp>
+          <p:sp>
+            <p:nvSpPr>
+              <p:cNvPr id="25" name="타원 24"/>
+              <p:cNvSpPr/>
+              <p:nvPr/>
+            </p:nvSpPr>
+            <p:spPr>
+              <a:xfrm>
+                <a:off x="3709851" y="1306286"/>
+                <a:ext cx="4101738" cy="2991394"/>
+              </a:xfrm>
+              <a:prstGeom prst="ellipse">
+                <a:avLst/>
+              </a:prstGeom>
+              <a:solidFill>
+                <a:schemeClr val="bg1"/>
+              </a:solidFill>
+              <a:ln w="190500">
+                <a:solidFill>
+                  <a:schemeClr val="tx1"/>
+                </a:solidFill>
+              </a:ln>
+            </p:spPr>
+            <p:style>
+              <a:lnRef idx="2">
+                <a:schemeClr val="accent1">
+                  <a:shade val="50000"/>
+                </a:schemeClr>
+              </a:lnRef>
+              <a:fillRef idx="1">
+                <a:schemeClr val="accent1"/>
+              </a:fillRef>
+              <a:effectRef idx="0">
+                <a:schemeClr val="accent1"/>
+              </a:effectRef>
+              <a:fontRef idx="minor">
+                <a:schemeClr val="lt1"/>
+              </a:fontRef>
+            </p:style>
+            <p:txBody>
+              <a:bodyPr rtlCol="0" anchor="ctr"/>
+              <a:lstStyle/>
+              <a:p>
+                <a:pPr algn="ctr"/>
+                <a:endParaRPr lang="ko-KR" altLang="en-US"/>
+              </a:p>
+            </p:txBody>
+          </p:sp>
+          <p:sp>
+            <p:nvSpPr>
+              <p:cNvPr id="26" name="달 25"/>
+              <p:cNvSpPr/>
+              <p:nvPr/>
+            </p:nvSpPr>
+            <p:spPr>
+              <a:xfrm rot="11420503">
+                <a:off x="4484841" y="2824798"/>
+                <a:ext cx="902488" cy="1648962"/>
+              </a:xfrm>
+              <a:prstGeom prst="moon">
+                <a:avLst>
+                  <a:gd name="adj" fmla="val 83299"/>
+                </a:avLst>
+              </a:prstGeom>
+              <a:solidFill>
+                <a:schemeClr val="bg1"/>
+              </a:solidFill>
+              <a:ln w="190500">
+                <a:noFill/>
+              </a:ln>
+            </p:spPr>
+            <p:style>
+              <a:lnRef idx="2">
+                <a:schemeClr val="accent1">
+                  <a:shade val="50000"/>
+                </a:schemeClr>
+              </a:lnRef>
+              <a:fillRef idx="1">
+                <a:schemeClr val="accent1"/>
+              </a:fillRef>
+              <a:effectRef idx="0">
+                <a:schemeClr val="accent1"/>
+              </a:effectRef>
+              <a:fontRef idx="minor">
+                <a:schemeClr val="lt1"/>
+              </a:fontRef>
+            </p:style>
+            <p:txBody>
+              <a:bodyPr rtlCol="0" anchor="ctr"/>
+              <a:lstStyle/>
+              <a:p>
+                <a:pPr algn="ctr"/>
+                <a:endParaRPr lang="ko-KR" altLang="en-US"/>
+              </a:p>
+            </p:txBody>
+          </p:sp>
+        </p:grpSp>
+        <p:sp>
+          <p:nvSpPr>
+            <p:cNvPr id="27" name="타원 26"/>
+            <p:cNvSpPr/>
+            <p:nvPr/>
+          </p:nvSpPr>
+          <p:spPr>
+            <a:xfrm>
+              <a:off x="8115148" y="4727096"/>
+              <a:ext cx="540000" cy="540000"/>
+            </a:xfrm>
+            <a:prstGeom prst="ellipse">
+              <a:avLst/>
+            </a:prstGeom>
+            <a:solidFill>
+              <a:schemeClr val="tx1"/>
+            </a:solidFill>
+            <a:ln>
+              <a:noFill/>
+            </a:ln>
+          </p:spPr>
+          <p:style>
+            <a:lnRef idx="2">
+              <a:schemeClr val="accent1">
+                <a:shade val="50000"/>
+              </a:schemeClr>
+            </a:lnRef>
+            <a:fillRef idx="1">
+              <a:schemeClr val="accent1"/>
+            </a:fillRef>
+            <a:effectRef idx="0">
+              <a:schemeClr val="accent1"/>
+            </a:effectRef>
+            <a:fontRef idx="minor">
+              <a:schemeClr val="lt1"/>
+            </a:fontRef>
+          </p:style>
+          <p:txBody>
+            <a:bodyPr rtlCol="0" anchor="ctr"/>
+            <a:lstStyle/>
+            <a:p>
+              <a:pPr algn="ctr"/>
+              <a:endParaRPr lang="ko-KR" altLang="en-US"/>
+            </a:p>
+          </p:txBody>
+        </p:sp>
+        <p:sp>
+          <p:nvSpPr>
+            <p:cNvPr id="28" name="타원 27"/>
+            <p:cNvSpPr/>
+            <p:nvPr/>
+          </p:nvSpPr>
+          <p:spPr>
+            <a:xfrm>
+              <a:off x="9164658" y="4727096"/>
+              <a:ext cx="540000" cy="540000"/>
+            </a:xfrm>
+            <a:prstGeom prst="ellipse">
+              <a:avLst/>
+            </a:prstGeom>
+            <a:solidFill>
+              <a:schemeClr val="tx1"/>
+            </a:solidFill>
+            <a:ln>
+              <a:noFill/>
+            </a:ln>
+          </p:spPr>
+          <p:style>
+            <a:lnRef idx="2">
+              <a:schemeClr val="accent1">
+                <a:shade val="50000"/>
+              </a:schemeClr>
+            </a:lnRef>
+            <a:fillRef idx="1">
+              <a:schemeClr val="accent1"/>
+            </a:fillRef>
+            <a:effectRef idx="0">
+              <a:schemeClr val="accent1"/>
+            </a:effectRef>
+            <a:fontRef idx="minor">
+              <a:schemeClr val="lt1"/>
+            </a:fontRef>
+          </p:style>
+          <p:txBody>
+            <a:bodyPr rtlCol="0" anchor="ctr"/>
+            <a:lstStyle/>
+            <a:p>
+              <a:pPr algn="ctr"/>
+              <a:endParaRPr lang="ko-KR" altLang="en-US"/>
+            </a:p>
+          </p:txBody>
+        </p:sp>
+        <p:sp>
+          <p:nvSpPr>
+            <p:cNvPr id="29" name="타원 28"/>
+            <p:cNvSpPr/>
+            <p:nvPr/>
+          </p:nvSpPr>
+          <p:spPr>
+            <a:xfrm>
+              <a:off x="10214168" y="4727096"/>
+              <a:ext cx="540000" cy="540000"/>
+            </a:xfrm>
+            <a:prstGeom prst="ellipse">
+              <a:avLst/>
+            </a:prstGeom>
+            <a:solidFill>
+              <a:schemeClr val="tx1"/>
+            </a:solidFill>
+            <a:ln>
+              <a:noFill/>
+            </a:ln>
+          </p:spPr>
+          <p:style>
+            <a:lnRef idx="2">
+              <a:schemeClr val="accent1">
+                <a:shade val="50000"/>
+              </a:schemeClr>
+            </a:lnRef>
+            <a:fillRef idx="1">
+              <a:schemeClr val="accent1"/>
+            </a:fillRef>
+            <a:effectRef idx="0">
+              <a:schemeClr val="accent1"/>
+            </a:effectRef>
+            <a:fontRef idx="minor">
+              <a:schemeClr val="lt1"/>
+            </a:fontRef>
+          </p:style>
+          <p:txBody>
+            <a:bodyPr rtlCol="0" anchor="ctr"/>
+            <a:lstStyle/>
+            <a:p>
+              <a:pPr algn="ctr"/>
+              <a:endParaRPr lang="ko-KR" altLang="en-US"/>
+            </a:p>
+          </p:txBody>
+        </p:sp>
+      </p:grpSp>
+    </p:spTree>
+    <p:extLst>
+      <p:ext uri="{BB962C8B-B14F-4D97-AF65-F5344CB8AC3E}">
+        <p14:creationId xmlns:p14="http://schemas.microsoft.com/office/powerpoint/2010/main" val="1103284124"/>
+      </p:ext>
+    </p:extLst>
+  </p:cSld>
+  <p:clrMapOvr>
+    <a:masterClrMapping/>
+  </p:clrMapOvr>
+</p:sld>
+</file>
+
 <file path=ppt/theme/theme1.xml><?xml version="1.0" encoding="utf-8"?>
 <a:theme xmlns:a="http://schemas.openxmlformats.org/drawingml/2006/main" name="Office 테마">
   <a:themeElements>

--- a/지하철 토끼 리소스.pptx
+++ b/지하철 토끼 리소스.pptx
@@ -8,6 +8,7 @@
     <p:sldId id="256" r:id="rId2"/>
     <p:sldId id="257" r:id="rId3"/>
     <p:sldId id="258" r:id="rId4"/>
+    <p:sldId id="259" r:id="rId5"/>
   </p:sldIdLst>
   <p:sldSz cx="12192000" cy="6858000"/>
   <p:notesSz cx="6858000" cy="9144000"/>
@@ -245,7 +246,7 @@
           <a:p>
             <a:fld id="{E3D84610-294B-409D-8F92-E480B0AC3E15}" type="datetimeFigureOut">
               <a:rPr lang="ko-KR" altLang="en-US" smtClean="0"/>
-              <a:t>2017-07-07</a:t>
+              <a:t>2017-07-11</a:t>
             </a:fld>
             <a:endParaRPr lang="ko-KR" altLang="en-US"/>
           </a:p>
@@ -415,7 +416,7 @@
           <a:p>
             <a:fld id="{E3D84610-294B-409D-8F92-E480B0AC3E15}" type="datetimeFigureOut">
               <a:rPr lang="ko-KR" altLang="en-US" smtClean="0"/>
-              <a:t>2017-07-07</a:t>
+              <a:t>2017-07-11</a:t>
             </a:fld>
             <a:endParaRPr lang="ko-KR" altLang="en-US"/>
           </a:p>
@@ -595,7 +596,7 @@
           <a:p>
             <a:fld id="{E3D84610-294B-409D-8F92-E480B0AC3E15}" type="datetimeFigureOut">
               <a:rPr lang="ko-KR" altLang="en-US" smtClean="0"/>
-              <a:t>2017-07-07</a:t>
+              <a:t>2017-07-11</a:t>
             </a:fld>
             <a:endParaRPr lang="ko-KR" altLang="en-US"/>
           </a:p>
@@ -765,7 +766,7 @@
           <a:p>
             <a:fld id="{E3D84610-294B-409D-8F92-E480B0AC3E15}" type="datetimeFigureOut">
               <a:rPr lang="ko-KR" altLang="en-US" smtClean="0"/>
-              <a:t>2017-07-07</a:t>
+              <a:t>2017-07-11</a:t>
             </a:fld>
             <a:endParaRPr lang="ko-KR" altLang="en-US"/>
           </a:p>
@@ -1011,7 +1012,7 @@
           <a:p>
             <a:fld id="{E3D84610-294B-409D-8F92-E480B0AC3E15}" type="datetimeFigureOut">
               <a:rPr lang="ko-KR" altLang="en-US" smtClean="0"/>
-              <a:t>2017-07-07</a:t>
+              <a:t>2017-07-11</a:t>
             </a:fld>
             <a:endParaRPr lang="ko-KR" altLang="en-US"/>
           </a:p>
@@ -1243,7 +1244,7 @@
           <a:p>
             <a:fld id="{E3D84610-294B-409D-8F92-E480B0AC3E15}" type="datetimeFigureOut">
               <a:rPr lang="ko-KR" altLang="en-US" smtClean="0"/>
-              <a:t>2017-07-07</a:t>
+              <a:t>2017-07-11</a:t>
             </a:fld>
             <a:endParaRPr lang="ko-KR" altLang="en-US"/>
           </a:p>
@@ -1610,7 +1611,7 @@
           <a:p>
             <a:fld id="{E3D84610-294B-409D-8F92-E480B0AC3E15}" type="datetimeFigureOut">
               <a:rPr lang="ko-KR" altLang="en-US" smtClean="0"/>
-              <a:t>2017-07-07</a:t>
+              <a:t>2017-07-11</a:t>
             </a:fld>
             <a:endParaRPr lang="ko-KR" altLang="en-US"/>
           </a:p>
@@ -1728,7 +1729,7 @@
           <a:p>
             <a:fld id="{E3D84610-294B-409D-8F92-E480B0AC3E15}" type="datetimeFigureOut">
               <a:rPr lang="ko-KR" altLang="en-US" smtClean="0"/>
-              <a:t>2017-07-07</a:t>
+              <a:t>2017-07-11</a:t>
             </a:fld>
             <a:endParaRPr lang="ko-KR" altLang="en-US"/>
           </a:p>
@@ -1823,7 +1824,7 @@
           <a:p>
             <a:fld id="{E3D84610-294B-409D-8F92-E480B0AC3E15}" type="datetimeFigureOut">
               <a:rPr lang="ko-KR" altLang="en-US" smtClean="0"/>
-              <a:t>2017-07-07</a:t>
+              <a:t>2017-07-11</a:t>
             </a:fld>
             <a:endParaRPr lang="ko-KR" altLang="en-US"/>
           </a:p>
@@ -2100,7 +2101,7 @@
           <a:p>
             <a:fld id="{E3D84610-294B-409D-8F92-E480B0AC3E15}" type="datetimeFigureOut">
               <a:rPr lang="ko-KR" altLang="en-US" smtClean="0"/>
-              <a:t>2017-07-07</a:t>
+              <a:t>2017-07-11</a:t>
             </a:fld>
             <a:endParaRPr lang="ko-KR" altLang="en-US"/>
           </a:p>
@@ -2353,7 +2354,7 @@
           <a:p>
             <a:fld id="{E3D84610-294B-409D-8F92-E480B0AC3E15}" type="datetimeFigureOut">
               <a:rPr lang="ko-KR" altLang="en-US" smtClean="0"/>
-              <a:t>2017-07-07</a:t>
+              <a:t>2017-07-11</a:t>
             </a:fld>
             <a:endParaRPr lang="ko-KR" altLang="en-US"/>
           </a:p>
@@ -2566,7 +2567,7 @@
           <a:p>
             <a:fld id="{E3D84610-294B-409D-8F92-E480B0AC3E15}" type="datetimeFigureOut">
               <a:rPr lang="ko-KR" altLang="en-US" smtClean="0"/>
-              <a:t>2017-07-07</a:t>
+              <a:t>2017-07-11</a:t>
             </a:fld>
             <a:endParaRPr lang="ko-KR" altLang="en-US"/>
           </a:p>
@@ -4374,6 +4375,99 @@
 </p:sld>
 </file>
 
+<file path=ppt/slides/slide4.xml><?xml version="1.0" encoding="utf-8"?>
+<p:sld xmlns:a="http://schemas.openxmlformats.org/drawingml/2006/main" xmlns:r="http://schemas.openxmlformats.org/officeDocument/2006/relationships" xmlns:p="http://schemas.openxmlformats.org/presentationml/2006/main">
+  <p:cSld>
+    <p:spTree>
+      <p:nvGrpSpPr>
+        <p:cNvPr id="1" name=""/>
+        <p:cNvGrpSpPr/>
+        <p:nvPr/>
+      </p:nvGrpSpPr>
+      <p:grpSpPr>
+        <a:xfrm>
+          <a:off x="0" y="0"/>
+          <a:ext cx="0" cy="0"/>
+          <a:chOff x="0" y="0"/>
+          <a:chExt cx="0" cy="0"/>
+        </a:xfrm>
+      </p:grpSpPr>
+      <p:sp>
+        <p:nvSpPr>
+          <p:cNvPr id="4" name="직사각형 3"/>
+          <p:cNvSpPr/>
+          <p:nvPr/>
+        </p:nvSpPr>
+        <p:spPr>
+          <a:xfrm>
+            <a:off x="1" y="0"/>
+            <a:ext cx="12192000" cy="6858000"/>
+          </a:xfrm>
+          <a:prstGeom prst="rect">
+            <a:avLst/>
+          </a:prstGeom>
+          <a:gradFill flip="none" rotWithShape="1">
+            <a:gsLst>
+              <a:gs pos="0">
+                <a:schemeClr val="accent1">
+                  <a:lumMod val="5000"/>
+                  <a:lumOff val="95000"/>
+                  <a:alpha val="0"/>
+                </a:schemeClr>
+              </a:gs>
+              <a:gs pos="56000">
+                <a:schemeClr val="tx1">
+                  <a:alpha val="50000"/>
+                </a:schemeClr>
+              </a:gs>
+            </a:gsLst>
+            <a:path path="circle">
+              <a:fillToRect l="50000" t="50000" r="50000" b="50000"/>
+            </a:path>
+            <a:tileRect/>
+          </a:gradFill>
+          <a:ln>
+            <a:noFill/>
+          </a:ln>
+        </p:spPr>
+        <p:style>
+          <a:lnRef idx="2">
+            <a:schemeClr val="accent1">
+              <a:shade val="50000"/>
+            </a:schemeClr>
+          </a:lnRef>
+          <a:fillRef idx="1">
+            <a:schemeClr val="accent1"/>
+          </a:fillRef>
+          <a:effectRef idx="0">
+            <a:schemeClr val="accent1"/>
+          </a:effectRef>
+          <a:fontRef idx="minor">
+            <a:schemeClr val="lt1"/>
+          </a:fontRef>
+        </p:style>
+        <p:txBody>
+          <a:bodyPr rtlCol="0" anchor="ctr"/>
+          <a:lstStyle/>
+          <a:p>
+            <a:pPr algn="ctr"/>
+            <a:endParaRPr lang="ko-KR" altLang="en-US"/>
+          </a:p>
+        </p:txBody>
+      </p:sp>
+    </p:spTree>
+    <p:extLst>
+      <p:ext uri="{BB962C8B-B14F-4D97-AF65-F5344CB8AC3E}">
+        <p14:creationId xmlns:p14="http://schemas.microsoft.com/office/powerpoint/2010/main" val="1593304933"/>
+      </p:ext>
+    </p:extLst>
+  </p:cSld>
+  <p:clrMapOvr>
+    <a:masterClrMapping/>
+  </p:clrMapOvr>
+</p:sld>
+</file>
+
 <file path=ppt/theme/theme1.xml><?xml version="1.0" encoding="utf-8"?>
 <a:theme xmlns:a="http://schemas.openxmlformats.org/drawingml/2006/main" name="Office 테마">
   <a:themeElements>

--- a/지하철 토끼 리소스.pptx
+++ b/지하철 토끼 리소스.pptx
@@ -9,6 +9,7 @@
     <p:sldId id="257" r:id="rId3"/>
     <p:sldId id="258" r:id="rId4"/>
     <p:sldId id="259" r:id="rId5"/>
+    <p:sldId id="260" r:id="rId6"/>
   </p:sldIdLst>
   <p:sldSz cx="12192000" cy="6858000"/>
   <p:notesSz cx="6858000" cy="9144000"/>
@@ -115,6 +116,10 @@
 </p:presentation>
 </file>
 
+<file path=ppt/revisionInfo.xml><?xml version="1.0" encoding="utf-8"?>
+<p1510:revInfo xmlns:a="http://schemas.openxmlformats.org/drawingml/2006/main" xmlns:r="http://schemas.openxmlformats.org/officeDocument/2006/relationships" xmlns:p1510="http://schemas.microsoft.com/office/powerpoint/2015/10/main"/>
+</file>
+
 <file path=ppt/slideLayouts/slideLayout1.xml><?xml version="1.0" encoding="utf-8"?>
 <p:sldLayout xmlns:a="http://schemas.openxmlformats.org/drawingml/2006/main" xmlns:r="http://schemas.openxmlformats.org/officeDocument/2006/relationships" xmlns:p="http://schemas.openxmlformats.org/presentationml/2006/main" type="title" preserve="1">
   <p:cSld name="제목 슬라이드">
@@ -157,10 +162,9 @@
           </a:lstStyle>
           <a:p>
             <a:r>
-              <a:rPr lang="ko-KR" altLang="en-US" smtClean="0"/>
+              <a:rPr lang="ko-KR" altLang="en-US"/>
               <a:t>마스터 제목 스타일 편집</a:t>
             </a:r>
-            <a:endParaRPr lang="ko-KR" altLang="en-US"/>
           </a:p>
         </p:txBody>
       </p:sp>
@@ -222,10 +226,9 @@
           </a:lstStyle>
           <a:p>
             <a:r>
-              <a:rPr lang="ko-KR" altLang="en-US" smtClean="0"/>
+              <a:rPr lang="ko-KR" altLang="en-US"/>
               <a:t>클릭하여 마스터 부제목 스타일 편집</a:t>
             </a:r>
-            <a:endParaRPr lang="ko-KR" altLang="en-US"/>
           </a:p>
         </p:txBody>
       </p:sp>
@@ -246,7 +249,7 @@
           <a:p>
             <a:fld id="{E3D84610-294B-409D-8F92-E480B0AC3E15}" type="datetimeFigureOut">
               <a:rPr lang="ko-KR" altLang="en-US" smtClean="0"/>
-              <a:t>2017-07-11</a:t>
+              <a:t>2017-07-26</a:t>
             </a:fld>
             <a:endParaRPr lang="ko-KR" altLang="en-US"/>
           </a:p>
@@ -340,10 +343,9 @@
           <a:lstStyle/>
           <a:p>
             <a:r>
-              <a:rPr lang="ko-KR" altLang="en-US" smtClean="0"/>
+              <a:rPr lang="ko-KR" altLang="en-US"/>
               <a:t>마스터 제목 스타일 편집</a:t>
             </a:r>
-            <a:endParaRPr lang="ko-KR" altLang="en-US"/>
           </a:p>
         </p:txBody>
       </p:sp>
@@ -364,38 +366,37 @@
           <a:p>
             <a:pPr lvl="0"/>
             <a:r>
-              <a:rPr lang="ko-KR" altLang="en-US" smtClean="0"/>
+              <a:rPr lang="ko-KR" altLang="en-US"/>
               <a:t>마스터 텍스트 스타일 편집</a:t>
             </a:r>
           </a:p>
           <a:p>
             <a:pPr lvl="1"/>
             <a:r>
-              <a:rPr lang="ko-KR" altLang="en-US" smtClean="0"/>
+              <a:rPr lang="ko-KR" altLang="en-US"/>
               <a:t>둘째 수준</a:t>
             </a:r>
           </a:p>
           <a:p>
             <a:pPr lvl="2"/>
             <a:r>
-              <a:rPr lang="ko-KR" altLang="en-US" smtClean="0"/>
+              <a:rPr lang="ko-KR" altLang="en-US"/>
               <a:t>셋째 수준</a:t>
             </a:r>
           </a:p>
           <a:p>
             <a:pPr lvl="3"/>
             <a:r>
-              <a:rPr lang="ko-KR" altLang="en-US" smtClean="0"/>
+              <a:rPr lang="ko-KR" altLang="en-US"/>
               <a:t>넷째 수준</a:t>
             </a:r>
           </a:p>
           <a:p>
             <a:pPr lvl="4"/>
             <a:r>
-              <a:rPr lang="ko-KR" altLang="en-US" smtClean="0"/>
+              <a:rPr lang="ko-KR" altLang="en-US"/>
               <a:t>다섯째 수준</a:t>
             </a:r>
-            <a:endParaRPr lang="ko-KR" altLang="en-US"/>
           </a:p>
         </p:txBody>
       </p:sp>
@@ -416,7 +417,7 @@
           <a:p>
             <a:fld id="{E3D84610-294B-409D-8F92-E480B0AC3E15}" type="datetimeFigureOut">
               <a:rPr lang="ko-KR" altLang="en-US" smtClean="0"/>
-              <a:t>2017-07-11</a:t>
+              <a:t>2017-07-26</a:t>
             </a:fld>
             <a:endParaRPr lang="ko-KR" altLang="en-US"/>
           </a:p>
@@ -515,10 +516,9 @@
           <a:lstStyle/>
           <a:p>
             <a:r>
-              <a:rPr lang="ko-KR" altLang="en-US" smtClean="0"/>
+              <a:rPr lang="ko-KR" altLang="en-US"/>
               <a:t>마스터 제목 스타일 편집</a:t>
             </a:r>
-            <a:endParaRPr lang="ko-KR" altLang="en-US"/>
           </a:p>
         </p:txBody>
       </p:sp>
@@ -544,38 +544,37 @@
           <a:p>
             <a:pPr lvl="0"/>
             <a:r>
-              <a:rPr lang="ko-KR" altLang="en-US" smtClean="0"/>
+              <a:rPr lang="ko-KR" altLang="en-US"/>
               <a:t>마스터 텍스트 스타일 편집</a:t>
             </a:r>
           </a:p>
           <a:p>
             <a:pPr lvl="1"/>
             <a:r>
-              <a:rPr lang="ko-KR" altLang="en-US" smtClean="0"/>
+              <a:rPr lang="ko-KR" altLang="en-US"/>
               <a:t>둘째 수준</a:t>
             </a:r>
           </a:p>
           <a:p>
             <a:pPr lvl="2"/>
             <a:r>
-              <a:rPr lang="ko-KR" altLang="en-US" smtClean="0"/>
+              <a:rPr lang="ko-KR" altLang="en-US"/>
               <a:t>셋째 수준</a:t>
             </a:r>
           </a:p>
           <a:p>
             <a:pPr lvl="3"/>
             <a:r>
-              <a:rPr lang="ko-KR" altLang="en-US" smtClean="0"/>
+              <a:rPr lang="ko-KR" altLang="en-US"/>
               <a:t>넷째 수준</a:t>
             </a:r>
           </a:p>
           <a:p>
             <a:pPr lvl="4"/>
             <a:r>
-              <a:rPr lang="ko-KR" altLang="en-US" smtClean="0"/>
+              <a:rPr lang="ko-KR" altLang="en-US"/>
               <a:t>다섯째 수준</a:t>
             </a:r>
-            <a:endParaRPr lang="ko-KR" altLang="en-US"/>
           </a:p>
         </p:txBody>
       </p:sp>
@@ -596,7 +595,7 @@
           <a:p>
             <a:fld id="{E3D84610-294B-409D-8F92-E480B0AC3E15}" type="datetimeFigureOut">
               <a:rPr lang="ko-KR" altLang="en-US" smtClean="0"/>
-              <a:t>2017-07-11</a:t>
+              <a:t>2017-07-26</a:t>
             </a:fld>
             <a:endParaRPr lang="ko-KR" altLang="en-US"/>
           </a:p>
@@ -690,10 +689,9 @@
           <a:lstStyle/>
           <a:p>
             <a:r>
-              <a:rPr lang="ko-KR" altLang="en-US" smtClean="0"/>
+              <a:rPr lang="ko-KR" altLang="en-US"/>
               <a:t>마스터 제목 스타일 편집</a:t>
             </a:r>
-            <a:endParaRPr lang="ko-KR" altLang="en-US"/>
           </a:p>
         </p:txBody>
       </p:sp>
@@ -714,38 +712,37 @@
           <a:p>
             <a:pPr lvl="0"/>
             <a:r>
-              <a:rPr lang="ko-KR" altLang="en-US" smtClean="0"/>
+              <a:rPr lang="ko-KR" altLang="en-US"/>
               <a:t>마스터 텍스트 스타일 편집</a:t>
             </a:r>
           </a:p>
           <a:p>
             <a:pPr lvl="1"/>
             <a:r>
-              <a:rPr lang="ko-KR" altLang="en-US" smtClean="0"/>
+              <a:rPr lang="ko-KR" altLang="en-US"/>
               <a:t>둘째 수준</a:t>
             </a:r>
           </a:p>
           <a:p>
             <a:pPr lvl="2"/>
             <a:r>
-              <a:rPr lang="ko-KR" altLang="en-US" smtClean="0"/>
+              <a:rPr lang="ko-KR" altLang="en-US"/>
               <a:t>셋째 수준</a:t>
             </a:r>
           </a:p>
           <a:p>
             <a:pPr lvl="3"/>
             <a:r>
-              <a:rPr lang="ko-KR" altLang="en-US" smtClean="0"/>
+              <a:rPr lang="ko-KR" altLang="en-US"/>
               <a:t>넷째 수준</a:t>
             </a:r>
           </a:p>
           <a:p>
             <a:pPr lvl="4"/>
             <a:r>
-              <a:rPr lang="ko-KR" altLang="en-US" smtClean="0"/>
+              <a:rPr lang="ko-KR" altLang="en-US"/>
               <a:t>다섯째 수준</a:t>
             </a:r>
-            <a:endParaRPr lang="ko-KR" altLang="en-US"/>
           </a:p>
         </p:txBody>
       </p:sp>
@@ -766,7 +763,7 @@
           <a:p>
             <a:fld id="{E3D84610-294B-409D-8F92-E480B0AC3E15}" type="datetimeFigureOut">
               <a:rPr lang="ko-KR" altLang="en-US" smtClean="0"/>
-              <a:t>2017-07-11</a:t>
+              <a:t>2017-07-26</a:t>
             </a:fld>
             <a:endParaRPr lang="ko-KR" altLang="en-US"/>
           </a:p>
@@ -869,10 +866,9 @@
           </a:lstStyle>
           <a:p>
             <a:r>
-              <a:rPr lang="ko-KR" altLang="en-US" smtClean="0"/>
+              <a:rPr lang="ko-KR" altLang="en-US"/>
               <a:t>마스터 제목 스타일 편집</a:t>
             </a:r>
-            <a:endParaRPr lang="ko-KR" altLang="en-US"/>
           </a:p>
         </p:txBody>
       </p:sp>
@@ -989,7 +985,7 @@
           <a:p>
             <a:pPr lvl="0"/>
             <a:r>
-              <a:rPr lang="ko-KR" altLang="en-US" smtClean="0"/>
+              <a:rPr lang="ko-KR" altLang="en-US"/>
               <a:t>마스터 텍스트 스타일 편집</a:t>
             </a:r>
           </a:p>
@@ -1012,7 +1008,7 @@
           <a:p>
             <a:fld id="{E3D84610-294B-409D-8F92-E480B0AC3E15}" type="datetimeFigureOut">
               <a:rPr lang="ko-KR" altLang="en-US" smtClean="0"/>
-              <a:t>2017-07-11</a:t>
+              <a:t>2017-07-26</a:t>
             </a:fld>
             <a:endParaRPr lang="ko-KR" altLang="en-US"/>
           </a:p>
@@ -1106,10 +1102,9 @@
           <a:lstStyle/>
           <a:p>
             <a:r>
-              <a:rPr lang="ko-KR" altLang="en-US" smtClean="0"/>
+              <a:rPr lang="ko-KR" altLang="en-US"/>
               <a:t>마스터 제목 스타일 편집</a:t>
             </a:r>
-            <a:endParaRPr lang="ko-KR" altLang="en-US"/>
           </a:p>
         </p:txBody>
       </p:sp>
@@ -1135,38 +1130,37 @@
           <a:p>
             <a:pPr lvl="0"/>
             <a:r>
-              <a:rPr lang="ko-KR" altLang="en-US" smtClean="0"/>
+              <a:rPr lang="ko-KR" altLang="en-US"/>
               <a:t>마스터 텍스트 스타일 편집</a:t>
             </a:r>
           </a:p>
           <a:p>
             <a:pPr lvl="1"/>
             <a:r>
-              <a:rPr lang="ko-KR" altLang="en-US" smtClean="0"/>
+              <a:rPr lang="ko-KR" altLang="en-US"/>
               <a:t>둘째 수준</a:t>
             </a:r>
           </a:p>
           <a:p>
             <a:pPr lvl="2"/>
             <a:r>
-              <a:rPr lang="ko-KR" altLang="en-US" smtClean="0"/>
+              <a:rPr lang="ko-KR" altLang="en-US"/>
               <a:t>셋째 수준</a:t>
             </a:r>
           </a:p>
           <a:p>
             <a:pPr lvl="3"/>
             <a:r>
-              <a:rPr lang="ko-KR" altLang="en-US" smtClean="0"/>
+              <a:rPr lang="ko-KR" altLang="en-US"/>
               <a:t>넷째 수준</a:t>
             </a:r>
           </a:p>
           <a:p>
             <a:pPr lvl="4"/>
             <a:r>
-              <a:rPr lang="ko-KR" altLang="en-US" smtClean="0"/>
+              <a:rPr lang="ko-KR" altLang="en-US"/>
               <a:t>다섯째 수준</a:t>
             </a:r>
-            <a:endParaRPr lang="ko-KR" altLang="en-US"/>
           </a:p>
         </p:txBody>
       </p:sp>
@@ -1192,38 +1186,37 @@
           <a:p>
             <a:pPr lvl="0"/>
             <a:r>
-              <a:rPr lang="ko-KR" altLang="en-US" smtClean="0"/>
+              <a:rPr lang="ko-KR" altLang="en-US"/>
               <a:t>마스터 텍스트 스타일 편집</a:t>
             </a:r>
           </a:p>
           <a:p>
             <a:pPr lvl="1"/>
             <a:r>
-              <a:rPr lang="ko-KR" altLang="en-US" smtClean="0"/>
+              <a:rPr lang="ko-KR" altLang="en-US"/>
               <a:t>둘째 수준</a:t>
             </a:r>
           </a:p>
           <a:p>
             <a:pPr lvl="2"/>
             <a:r>
-              <a:rPr lang="ko-KR" altLang="en-US" smtClean="0"/>
+              <a:rPr lang="ko-KR" altLang="en-US"/>
               <a:t>셋째 수준</a:t>
             </a:r>
           </a:p>
           <a:p>
             <a:pPr lvl="3"/>
             <a:r>
-              <a:rPr lang="ko-KR" altLang="en-US" smtClean="0"/>
+              <a:rPr lang="ko-KR" altLang="en-US"/>
               <a:t>넷째 수준</a:t>
             </a:r>
           </a:p>
           <a:p>
             <a:pPr lvl="4"/>
             <a:r>
-              <a:rPr lang="ko-KR" altLang="en-US" smtClean="0"/>
+              <a:rPr lang="ko-KR" altLang="en-US"/>
               <a:t>다섯째 수준</a:t>
             </a:r>
-            <a:endParaRPr lang="ko-KR" altLang="en-US"/>
           </a:p>
         </p:txBody>
       </p:sp>
@@ -1244,7 +1237,7 @@
           <a:p>
             <a:fld id="{E3D84610-294B-409D-8F92-E480B0AC3E15}" type="datetimeFigureOut">
               <a:rPr lang="ko-KR" altLang="en-US" smtClean="0"/>
-              <a:t>2017-07-11</a:t>
+              <a:t>2017-07-26</a:t>
             </a:fld>
             <a:endParaRPr lang="ko-KR" altLang="en-US"/>
           </a:p>
@@ -1343,10 +1336,9 @@
           <a:lstStyle/>
           <a:p>
             <a:r>
-              <a:rPr lang="ko-KR" altLang="en-US" smtClean="0"/>
+              <a:rPr lang="ko-KR" altLang="en-US"/>
               <a:t>마스터 제목 스타일 편집</a:t>
             </a:r>
-            <a:endParaRPr lang="ko-KR" altLang="en-US"/>
           </a:p>
         </p:txBody>
       </p:sp>
@@ -1409,7 +1401,7 @@
           <a:p>
             <a:pPr lvl="0"/>
             <a:r>
-              <a:rPr lang="ko-KR" altLang="en-US" smtClean="0"/>
+              <a:rPr lang="ko-KR" altLang="en-US"/>
               <a:t>마스터 텍스트 스타일 편집</a:t>
             </a:r>
           </a:p>
@@ -1437,38 +1429,37 @@
           <a:p>
             <a:pPr lvl="0"/>
             <a:r>
-              <a:rPr lang="ko-KR" altLang="en-US" smtClean="0"/>
+              <a:rPr lang="ko-KR" altLang="en-US"/>
               <a:t>마스터 텍스트 스타일 편집</a:t>
             </a:r>
           </a:p>
           <a:p>
             <a:pPr lvl="1"/>
             <a:r>
-              <a:rPr lang="ko-KR" altLang="en-US" smtClean="0"/>
+              <a:rPr lang="ko-KR" altLang="en-US"/>
               <a:t>둘째 수준</a:t>
             </a:r>
           </a:p>
           <a:p>
             <a:pPr lvl="2"/>
             <a:r>
-              <a:rPr lang="ko-KR" altLang="en-US" smtClean="0"/>
+              <a:rPr lang="ko-KR" altLang="en-US"/>
               <a:t>셋째 수준</a:t>
             </a:r>
           </a:p>
           <a:p>
             <a:pPr lvl="3"/>
             <a:r>
-              <a:rPr lang="ko-KR" altLang="en-US" smtClean="0"/>
+              <a:rPr lang="ko-KR" altLang="en-US"/>
               <a:t>넷째 수준</a:t>
             </a:r>
           </a:p>
           <a:p>
             <a:pPr lvl="4"/>
             <a:r>
-              <a:rPr lang="ko-KR" altLang="en-US" smtClean="0"/>
+              <a:rPr lang="ko-KR" altLang="en-US"/>
               <a:t>다섯째 수준</a:t>
             </a:r>
-            <a:endParaRPr lang="ko-KR" altLang="en-US"/>
           </a:p>
         </p:txBody>
       </p:sp>
@@ -1531,7 +1522,7 @@
           <a:p>
             <a:pPr lvl="0"/>
             <a:r>
-              <a:rPr lang="ko-KR" altLang="en-US" smtClean="0"/>
+              <a:rPr lang="ko-KR" altLang="en-US"/>
               <a:t>마스터 텍스트 스타일 편집</a:t>
             </a:r>
           </a:p>
@@ -1559,38 +1550,37 @@
           <a:p>
             <a:pPr lvl="0"/>
             <a:r>
-              <a:rPr lang="ko-KR" altLang="en-US" smtClean="0"/>
+              <a:rPr lang="ko-KR" altLang="en-US"/>
               <a:t>마스터 텍스트 스타일 편집</a:t>
             </a:r>
           </a:p>
           <a:p>
             <a:pPr lvl="1"/>
             <a:r>
-              <a:rPr lang="ko-KR" altLang="en-US" smtClean="0"/>
+              <a:rPr lang="ko-KR" altLang="en-US"/>
               <a:t>둘째 수준</a:t>
             </a:r>
           </a:p>
           <a:p>
             <a:pPr lvl="2"/>
             <a:r>
-              <a:rPr lang="ko-KR" altLang="en-US" smtClean="0"/>
+              <a:rPr lang="ko-KR" altLang="en-US"/>
               <a:t>셋째 수준</a:t>
             </a:r>
           </a:p>
           <a:p>
             <a:pPr lvl="3"/>
             <a:r>
-              <a:rPr lang="ko-KR" altLang="en-US" smtClean="0"/>
+              <a:rPr lang="ko-KR" altLang="en-US"/>
               <a:t>넷째 수준</a:t>
             </a:r>
           </a:p>
           <a:p>
             <a:pPr lvl="4"/>
             <a:r>
-              <a:rPr lang="ko-KR" altLang="en-US" smtClean="0"/>
+              <a:rPr lang="ko-KR" altLang="en-US"/>
               <a:t>다섯째 수준</a:t>
             </a:r>
-            <a:endParaRPr lang="ko-KR" altLang="en-US"/>
           </a:p>
         </p:txBody>
       </p:sp>
@@ -1611,7 +1601,7 @@
           <a:p>
             <a:fld id="{E3D84610-294B-409D-8F92-E480B0AC3E15}" type="datetimeFigureOut">
               <a:rPr lang="ko-KR" altLang="en-US" smtClean="0"/>
-              <a:t>2017-07-11</a:t>
+              <a:t>2017-07-26</a:t>
             </a:fld>
             <a:endParaRPr lang="ko-KR" altLang="en-US"/>
           </a:p>
@@ -1705,10 +1695,9 @@
           <a:lstStyle/>
           <a:p>
             <a:r>
-              <a:rPr lang="ko-KR" altLang="en-US" smtClean="0"/>
+              <a:rPr lang="ko-KR" altLang="en-US"/>
               <a:t>마스터 제목 스타일 편집</a:t>
             </a:r>
-            <a:endParaRPr lang="ko-KR" altLang="en-US"/>
           </a:p>
         </p:txBody>
       </p:sp>
@@ -1729,7 +1718,7 @@
           <a:p>
             <a:fld id="{E3D84610-294B-409D-8F92-E480B0AC3E15}" type="datetimeFigureOut">
               <a:rPr lang="ko-KR" altLang="en-US" smtClean="0"/>
-              <a:t>2017-07-11</a:t>
+              <a:t>2017-07-26</a:t>
             </a:fld>
             <a:endParaRPr lang="ko-KR" altLang="en-US"/>
           </a:p>
@@ -1824,7 +1813,7 @@
           <a:p>
             <a:fld id="{E3D84610-294B-409D-8F92-E480B0AC3E15}" type="datetimeFigureOut">
               <a:rPr lang="ko-KR" altLang="en-US" smtClean="0"/>
-              <a:t>2017-07-11</a:t>
+              <a:t>2017-07-26</a:t>
             </a:fld>
             <a:endParaRPr lang="ko-KR" altLang="en-US"/>
           </a:p>
@@ -1927,10 +1916,9 @@
           </a:lstStyle>
           <a:p>
             <a:r>
-              <a:rPr lang="ko-KR" altLang="en-US" smtClean="0"/>
+              <a:rPr lang="ko-KR" altLang="en-US"/>
               <a:t>마스터 제목 스타일 편집</a:t>
             </a:r>
-            <a:endParaRPr lang="ko-KR" altLang="en-US"/>
           </a:p>
         </p:txBody>
       </p:sp>
@@ -1984,38 +1972,37 @@
           <a:p>
             <a:pPr lvl="0"/>
             <a:r>
-              <a:rPr lang="ko-KR" altLang="en-US" smtClean="0"/>
+              <a:rPr lang="ko-KR" altLang="en-US"/>
               <a:t>마스터 텍스트 스타일 편집</a:t>
             </a:r>
           </a:p>
           <a:p>
             <a:pPr lvl="1"/>
             <a:r>
-              <a:rPr lang="ko-KR" altLang="en-US" smtClean="0"/>
+              <a:rPr lang="ko-KR" altLang="en-US"/>
               <a:t>둘째 수준</a:t>
             </a:r>
           </a:p>
           <a:p>
             <a:pPr lvl="2"/>
             <a:r>
-              <a:rPr lang="ko-KR" altLang="en-US" smtClean="0"/>
+              <a:rPr lang="ko-KR" altLang="en-US"/>
               <a:t>셋째 수준</a:t>
             </a:r>
           </a:p>
           <a:p>
             <a:pPr lvl="3"/>
             <a:r>
-              <a:rPr lang="ko-KR" altLang="en-US" smtClean="0"/>
+              <a:rPr lang="ko-KR" altLang="en-US"/>
               <a:t>넷째 수준</a:t>
             </a:r>
           </a:p>
           <a:p>
             <a:pPr lvl="4"/>
             <a:r>
-              <a:rPr lang="ko-KR" altLang="en-US" smtClean="0"/>
+              <a:rPr lang="ko-KR" altLang="en-US"/>
               <a:t>다섯째 수준</a:t>
             </a:r>
-            <a:endParaRPr lang="ko-KR" altLang="en-US"/>
           </a:p>
         </p:txBody>
       </p:sp>
@@ -2078,7 +2065,7 @@
           <a:p>
             <a:pPr lvl="0"/>
             <a:r>
-              <a:rPr lang="ko-KR" altLang="en-US" smtClean="0"/>
+              <a:rPr lang="ko-KR" altLang="en-US"/>
               <a:t>마스터 텍스트 스타일 편집</a:t>
             </a:r>
           </a:p>
@@ -2101,7 +2088,7 @@
           <a:p>
             <a:fld id="{E3D84610-294B-409D-8F92-E480B0AC3E15}" type="datetimeFigureOut">
               <a:rPr lang="ko-KR" altLang="en-US" smtClean="0"/>
-              <a:t>2017-07-11</a:t>
+              <a:t>2017-07-26</a:t>
             </a:fld>
             <a:endParaRPr lang="ko-KR" altLang="en-US"/>
           </a:p>
@@ -2204,10 +2191,9 @@
           </a:lstStyle>
           <a:p>
             <a:r>
-              <a:rPr lang="ko-KR" altLang="en-US" smtClean="0"/>
+              <a:rPr lang="ko-KR" altLang="en-US"/>
               <a:t>마스터 제목 스타일 편집</a:t>
             </a:r>
-            <a:endParaRPr lang="ko-KR" altLang="en-US"/>
           </a:p>
         </p:txBody>
       </p:sp>
@@ -2331,7 +2317,7 @@
           <a:p>
             <a:pPr lvl="0"/>
             <a:r>
-              <a:rPr lang="ko-KR" altLang="en-US" smtClean="0"/>
+              <a:rPr lang="ko-KR" altLang="en-US"/>
               <a:t>마스터 텍스트 스타일 편집</a:t>
             </a:r>
           </a:p>
@@ -2354,7 +2340,7 @@
           <a:p>
             <a:fld id="{E3D84610-294B-409D-8F92-E480B0AC3E15}" type="datetimeFigureOut">
               <a:rPr lang="ko-KR" altLang="en-US" smtClean="0"/>
-              <a:t>2017-07-11</a:t>
+              <a:t>2017-07-26</a:t>
             </a:fld>
             <a:endParaRPr lang="ko-KR" altLang="en-US"/>
           </a:p>
@@ -2463,10 +2449,9 @@
           <a:lstStyle/>
           <a:p>
             <a:r>
-              <a:rPr lang="ko-KR" altLang="en-US" smtClean="0"/>
+              <a:rPr lang="ko-KR" altLang="en-US"/>
               <a:t>마스터 제목 스타일 편집</a:t>
             </a:r>
-            <a:endParaRPr lang="ko-KR" altLang="en-US"/>
           </a:p>
         </p:txBody>
       </p:sp>
@@ -2497,38 +2482,37 @@
           <a:p>
             <a:pPr lvl="0"/>
             <a:r>
-              <a:rPr lang="ko-KR" altLang="en-US" smtClean="0"/>
+              <a:rPr lang="ko-KR" altLang="en-US"/>
               <a:t>마스터 텍스트 스타일 편집</a:t>
             </a:r>
           </a:p>
           <a:p>
             <a:pPr lvl="1"/>
             <a:r>
-              <a:rPr lang="ko-KR" altLang="en-US" smtClean="0"/>
+              <a:rPr lang="ko-KR" altLang="en-US"/>
               <a:t>둘째 수준</a:t>
             </a:r>
           </a:p>
           <a:p>
             <a:pPr lvl="2"/>
             <a:r>
-              <a:rPr lang="ko-KR" altLang="en-US" smtClean="0"/>
+              <a:rPr lang="ko-KR" altLang="en-US"/>
               <a:t>셋째 수준</a:t>
             </a:r>
           </a:p>
           <a:p>
             <a:pPr lvl="3"/>
             <a:r>
-              <a:rPr lang="ko-KR" altLang="en-US" smtClean="0"/>
+              <a:rPr lang="ko-KR" altLang="en-US"/>
               <a:t>넷째 수준</a:t>
             </a:r>
           </a:p>
           <a:p>
             <a:pPr lvl="4"/>
             <a:r>
-              <a:rPr lang="ko-KR" altLang="en-US" smtClean="0"/>
+              <a:rPr lang="ko-KR" altLang="en-US"/>
               <a:t>다섯째 수준</a:t>
             </a:r>
-            <a:endParaRPr lang="ko-KR" altLang="en-US"/>
           </a:p>
         </p:txBody>
       </p:sp>
@@ -2567,7 +2551,7 @@
           <a:p>
             <a:fld id="{E3D84610-294B-409D-8F92-E480B0AC3E15}" type="datetimeFigureOut">
               <a:rPr lang="ko-KR" altLang="en-US" smtClean="0"/>
-              <a:t>2017-07-11</a:t>
+              <a:t>2017-07-26</a:t>
             </a:fld>
             <a:endParaRPr lang="ko-KR" altLang="en-US"/>
           </a:p>
@@ -3460,7 +3444,7 @@
               <a:p>
                 <a:pPr algn="ctr"/>
                 <a:r>
-                  <a:rPr lang="en-US" altLang="ko-KR" sz="13800" dirty="0" smtClean="0">
+                  <a:rPr lang="en-US" altLang="ko-KR" sz="13800" dirty="0">
                     <a:latin typeface="배달의민족 주아" panose="02020603020101020101" pitchFamily="18" charset="-127"/>
                     <a:ea typeface="배달의민족 주아" panose="02020603020101020101" pitchFamily="18" charset="-127"/>
                   </a:rPr>
@@ -3493,7 +3477,7 @@
               <a:p>
                 <a:pPr algn="ctr"/>
                 <a:r>
-                  <a:rPr lang="en-US" altLang="ko-KR" sz="16600" dirty="0" smtClean="0">
+                  <a:rPr lang="en-US" altLang="ko-KR" sz="16600" dirty="0">
                     <a:latin typeface="배달의민족 주아" panose="02020603020101020101" pitchFamily="18" charset="-127"/>
                     <a:ea typeface="배달의민족 주아" panose="02020603020101020101" pitchFamily="18" charset="-127"/>
                   </a:rPr>
@@ -4468,6 +4452,1052 @@
 </p:sld>
 </file>
 
+<file path=ppt/slides/slide5.xml><?xml version="1.0" encoding="utf-8"?>
+<p:sld xmlns:a="http://schemas.openxmlformats.org/drawingml/2006/main" xmlns:r="http://schemas.openxmlformats.org/officeDocument/2006/relationships" xmlns:p="http://schemas.openxmlformats.org/presentationml/2006/main">
+  <p:cSld>
+    <p:spTree>
+      <p:nvGrpSpPr>
+        <p:cNvPr id="1" name=""/>
+        <p:cNvGrpSpPr/>
+        <p:nvPr/>
+      </p:nvGrpSpPr>
+      <p:grpSpPr>
+        <a:xfrm>
+          <a:off x="0" y="0"/>
+          <a:ext cx="0" cy="0"/>
+          <a:chOff x="0" y="0"/>
+          <a:chExt cx="0" cy="0"/>
+        </a:xfrm>
+      </p:grpSpPr>
+      <p:grpSp>
+        <p:nvGrpSpPr>
+          <p:cNvPr id="26" name="그룹 25">
+            <a:extLst>
+              <a:ext uri="{FF2B5EF4-FFF2-40B4-BE49-F238E27FC236}">
+                <a16:creationId xmlns:a16="http://schemas.microsoft.com/office/drawing/2014/main" id="{FE70B5EC-0562-4E52-8BCD-89F03121B80E}"/>
+              </a:ext>
+            </a:extLst>
+          </p:cNvPr>
+          <p:cNvGrpSpPr/>
+          <p:nvPr/>
+        </p:nvGrpSpPr>
+        <p:grpSpPr>
+          <a:xfrm>
+            <a:off x="0" y="0"/>
+            <a:ext cx="12192000" cy="6858000"/>
+            <a:chOff x="0" y="0"/>
+            <a:chExt cx="12192000" cy="6858000"/>
+          </a:xfrm>
+        </p:grpSpPr>
+        <p:sp>
+          <p:nvSpPr>
+            <p:cNvPr id="5" name="직사각형 4">
+              <a:extLst>
+                <a:ext uri="{FF2B5EF4-FFF2-40B4-BE49-F238E27FC236}">
+                  <a16:creationId xmlns:a16="http://schemas.microsoft.com/office/drawing/2014/main" id="{962E95A8-74D2-4E9F-B197-90BDB439A457}"/>
+                </a:ext>
+              </a:extLst>
+            </p:cNvPr>
+            <p:cNvSpPr>
+              <a:spLocks/>
+            </p:cNvSpPr>
+            <p:nvPr/>
+          </p:nvSpPr>
+          <p:spPr>
+            <a:xfrm>
+              <a:off x="0" y="0"/>
+              <a:ext cx="12192000" cy="6858000"/>
+            </a:xfrm>
+            <a:prstGeom prst="rect">
+              <a:avLst/>
+            </a:prstGeom>
+            <a:noFill/>
+            <a:ln>
+              <a:noFill/>
+            </a:ln>
+          </p:spPr>
+          <p:style>
+            <a:lnRef idx="2">
+              <a:schemeClr val="accent1">
+                <a:shade val="50000"/>
+              </a:schemeClr>
+            </a:lnRef>
+            <a:fillRef idx="1">
+              <a:schemeClr val="accent1"/>
+            </a:fillRef>
+            <a:effectRef idx="0">
+              <a:schemeClr val="accent1"/>
+            </a:effectRef>
+            <a:fontRef idx="minor">
+              <a:schemeClr val="lt1"/>
+            </a:fontRef>
+          </p:style>
+          <p:txBody>
+            <a:bodyPr rtlCol="0" anchor="ctr"/>
+            <a:lstStyle/>
+            <a:p>
+              <a:pPr algn="ctr"/>
+              <a:endParaRPr lang="ko-KR" altLang="en-US"/>
+            </a:p>
+          </p:txBody>
+        </p:sp>
+        <p:grpSp>
+          <p:nvGrpSpPr>
+            <p:cNvPr id="3" name="그룹 2">
+              <a:extLst>
+                <a:ext uri="{FF2B5EF4-FFF2-40B4-BE49-F238E27FC236}">
+                  <a16:creationId xmlns:a16="http://schemas.microsoft.com/office/drawing/2014/main" id="{42B84D04-1697-48C0-B2E8-3BF235D3D9DC}"/>
+                </a:ext>
+              </a:extLst>
+            </p:cNvPr>
+            <p:cNvGrpSpPr/>
+            <p:nvPr/>
+          </p:nvGrpSpPr>
+          <p:grpSpPr>
+            <a:xfrm>
+              <a:off x="2494800" y="721690"/>
+              <a:ext cx="7202400" cy="934823"/>
+              <a:chOff x="2856000" y="382249"/>
+              <a:chExt cx="7202400" cy="934823"/>
+            </a:xfrm>
+          </p:grpSpPr>
+          <p:sp>
+            <p:nvSpPr>
+              <p:cNvPr id="4" name="사각형: 둥근 모서리 3">
+                <a:extLst>
+                  <a:ext uri="{FF2B5EF4-FFF2-40B4-BE49-F238E27FC236}">
+                    <a16:creationId xmlns:a16="http://schemas.microsoft.com/office/drawing/2014/main" id="{FBBFB63C-058E-4BB0-B97C-97B40272BDA9}"/>
+                  </a:ext>
+                </a:extLst>
+              </p:cNvPr>
+              <p:cNvSpPr/>
+              <p:nvPr/>
+            </p:nvSpPr>
+            <p:spPr>
+              <a:xfrm>
+                <a:off x="2856000" y="382249"/>
+                <a:ext cx="7202400" cy="934823"/>
+              </a:xfrm>
+              <a:prstGeom prst="roundRect">
+                <a:avLst>
+                  <a:gd name="adj" fmla="val 7350"/>
+                </a:avLst>
+              </a:prstGeom>
+              <a:solidFill>
+                <a:schemeClr val="bg1"/>
+              </a:solidFill>
+              <a:ln>
+                <a:solidFill>
+                  <a:schemeClr val="tx1"/>
+                </a:solidFill>
+              </a:ln>
+            </p:spPr>
+            <p:style>
+              <a:lnRef idx="2">
+                <a:schemeClr val="accent1">
+                  <a:shade val="50000"/>
+                </a:schemeClr>
+              </a:lnRef>
+              <a:fillRef idx="1">
+                <a:schemeClr val="accent1"/>
+              </a:fillRef>
+              <a:effectRef idx="0">
+                <a:schemeClr val="accent1"/>
+              </a:effectRef>
+              <a:fontRef idx="minor">
+                <a:schemeClr val="lt1"/>
+              </a:fontRef>
+            </p:style>
+            <p:txBody>
+              <a:bodyPr rtlCol="0" anchor="ctr"/>
+              <a:lstStyle/>
+              <a:p>
+                <a:pPr algn="ctr"/>
+                <a:endParaRPr lang="ko-KR" altLang="en-US"/>
+              </a:p>
+            </p:txBody>
+          </p:sp>
+          <p:sp>
+            <p:nvSpPr>
+              <p:cNvPr id="6" name="사각형: 둥근 모서리 5">
+                <a:extLst>
+                  <a:ext uri="{FF2B5EF4-FFF2-40B4-BE49-F238E27FC236}">
+                    <a16:creationId xmlns:a16="http://schemas.microsoft.com/office/drawing/2014/main" id="{197AF592-2C29-4A3F-B474-36FC508B7440}"/>
+                  </a:ext>
+                </a:extLst>
+              </p:cNvPr>
+              <p:cNvSpPr/>
+              <p:nvPr/>
+            </p:nvSpPr>
+            <p:spPr>
+              <a:xfrm>
+                <a:off x="3057236" y="517563"/>
+                <a:ext cx="1440000" cy="648507"/>
+              </a:xfrm>
+              <a:prstGeom prst="roundRect">
+                <a:avLst/>
+              </a:prstGeom>
+              <a:noFill/>
+              <a:ln w="101600" cmpd="dbl">
+                <a:solidFill>
+                  <a:schemeClr val="accent6">
+                    <a:lumMod val="75000"/>
+                  </a:schemeClr>
+                </a:solidFill>
+              </a:ln>
+            </p:spPr>
+            <p:style>
+              <a:lnRef idx="2">
+                <a:schemeClr val="accent1">
+                  <a:shade val="50000"/>
+                </a:schemeClr>
+              </a:lnRef>
+              <a:fillRef idx="1">
+                <a:schemeClr val="accent1"/>
+              </a:fillRef>
+              <a:effectRef idx="0">
+                <a:schemeClr val="accent1"/>
+              </a:effectRef>
+              <a:fontRef idx="minor">
+                <a:schemeClr val="lt1"/>
+              </a:fontRef>
+            </p:style>
+            <p:txBody>
+              <a:bodyPr rtlCol="0" anchor="ctr"/>
+              <a:lstStyle/>
+              <a:p>
+                <a:pPr algn="ctr"/>
+                <a:r>
+                  <a:rPr lang="ko-KR" altLang="en-US" sz="3600" dirty="0">
+                    <a:solidFill>
+                      <a:schemeClr val="tx1"/>
+                    </a:solidFill>
+                    <a:latin typeface="배달의민족 주아" panose="02020603020101020101" pitchFamily="18" charset="-127"/>
+                    <a:ea typeface="배달의민족 주아" panose="02020603020101020101" pitchFamily="18" charset="-127"/>
+                  </a:rPr>
+                  <a:t>유치원</a:t>
+                </a:r>
+              </a:p>
+            </p:txBody>
+          </p:sp>
+          <p:sp>
+            <p:nvSpPr>
+              <p:cNvPr id="2" name="TextBox 1">
+                <a:extLst>
+                  <a:ext uri="{FF2B5EF4-FFF2-40B4-BE49-F238E27FC236}">
+                    <a16:creationId xmlns:a16="http://schemas.microsoft.com/office/drawing/2014/main" id="{E73CABD5-DEB8-40CE-83DA-59C927EE6EFF}"/>
+                  </a:ext>
+                </a:extLst>
+              </p:cNvPr>
+              <p:cNvSpPr txBox="1"/>
+              <p:nvPr/>
+            </p:nvSpPr>
+            <p:spPr>
+              <a:xfrm>
+                <a:off x="4698472" y="434161"/>
+                <a:ext cx="5175370" cy="830997"/>
+              </a:xfrm>
+              <a:prstGeom prst="rect">
+                <a:avLst/>
+              </a:prstGeom>
+              <a:noFill/>
+            </p:spPr>
+            <p:txBody>
+              <a:bodyPr wrap="square" rtlCol="0">
+                <a:spAutoFit/>
+              </a:bodyPr>
+              <a:lstStyle/>
+              <a:p>
+                <a:pPr algn="ctr"/>
+                <a:r>
+                  <a:rPr lang="ko-KR" altLang="en-US" sz="4800" dirty="0">
+                    <a:latin typeface="배달의민족 주아" panose="02020603020101020101" pitchFamily="18" charset="-127"/>
+                    <a:ea typeface="배달의민족 주아" panose="02020603020101020101" pitchFamily="18" charset="-127"/>
+                  </a:rPr>
+                  <a:t>엄마를 찾아라</a:t>
+                </a:r>
+                <a:r>
+                  <a:rPr lang="en-US" altLang="ko-KR" sz="4800" dirty="0">
+                    <a:latin typeface="배달의민족 주아" panose="02020603020101020101" pitchFamily="18" charset="-127"/>
+                    <a:ea typeface="배달의민족 주아" panose="02020603020101020101" pitchFamily="18" charset="-127"/>
+                  </a:rPr>
+                  <a:t>!</a:t>
+                </a:r>
+                <a:endParaRPr lang="ko-KR" altLang="en-US" sz="4800" dirty="0">
+                  <a:latin typeface="배달의민족 주아" panose="02020603020101020101" pitchFamily="18" charset="-127"/>
+                  <a:ea typeface="배달의민족 주아" panose="02020603020101020101" pitchFamily="18" charset="-127"/>
+                </a:endParaRPr>
+              </a:p>
+            </p:txBody>
+          </p:sp>
+        </p:grpSp>
+        <p:grpSp>
+          <p:nvGrpSpPr>
+            <p:cNvPr id="8" name="그룹 7">
+              <a:extLst>
+                <a:ext uri="{FF2B5EF4-FFF2-40B4-BE49-F238E27FC236}">
+                  <a16:creationId xmlns:a16="http://schemas.microsoft.com/office/drawing/2014/main" id="{28248347-D996-4F9A-8460-3285524B6F57}"/>
+                </a:ext>
+              </a:extLst>
+            </p:cNvPr>
+            <p:cNvGrpSpPr/>
+            <p:nvPr/>
+          </p:nvGrpSpPr>
+          <p:grpSpPr>
+            <a:xfrm>
+              <a:off x="2494800" y="1902483"/>
+              <a:ext cx="7202400" cy="934823"/>
+              <a:chOff x="2856000" y="382249"/>
+              <a:chExt cx="7202400" cy="934823"/>
+            </a:xfrm>
+          </p:grpSpPr>
+          <p:sp>
+            <p:nvSpPr>
+              <p:cNvPr id="9" name="사각형: 둥근 모서리 8">
+                <a:extLst>
+                  <a:ext uri="{FF2B5EF4-FFF2-40B4-BE49-F238E27FC236}">
+                    <a16:creationId xmlns:a16="http://schemas.microsoft.com/office/drawing/2014/main" id="{7020C884-4187-4C17-95AF-2F10CB75B8F3}"/>
+                  </a:ext>
+                </a:extLst>
+              </p:cNvPr>
+              <p:cNvSpPr/>
+              <p:nvPr/>
+            </p:nvSpPr>
+            <p:spPr>
+              <a:xfrm>
+                <a:off x="2856000" y="382249"/>
+                <a:ext cx="7202400" cy="934823"/>
+              </a:xfrm>
+              <a:prstGeom prst="roundRect">
+                <a:avLst>
+                  <a:gd name="adj" fmla="val 7350"/>
+                </a:avLst>
+              </a:prstGeom>
+              <a:solidFill>
+                <a:schemeClr val="bg1"/>
+              </a:solidFill>
+              <a:ln>
+                <a:solidFill>
+                  <a:schemeClr val="tx1"/>
+                </a:solidFill>
+              </a:ln>
+            </p:spPr>
+            <p:style>
+              <a:lnRef idx="2">
+                <a:schemeClr val="accent1">
+                  <a:shade val="50000"/>
+                </a:schemeClr>
+              </a:lnRef>
+              <a:fillRef idx="1">
+                <a:schemeClr val="accent1"/>
+              </a:fillRef>
+              <a:effectRef idx="0">
+                <a:schemeClr val="accent1"/>
+              </a:effectRef>
+              <a:fontRef idx="minor">
+                <a:schemeClr val="lt1"/>
+              </a:fontRef>
+            </p:style>
+            <p:txBody>
+              <a:bodyPr rtlCol="0" anchor="ctr"/>
+              <a:lstStyle/>
+              <a:p>
+                <a:pPr algn="ctr"/>
+                <a:endParaRPr lang="ko-KR" altLang="en-US"/>
+              </a:p>
+            </p:txBody>
+          </p:sp>
+          <p:sp>
+            <p:nvSpPr>
+              <p:cNvPr id="10" name="사각형: 둥근 모서리 9">
+                <a:extLst>
+                  <a:ext uri="{FF2B5EF4-FFF2-40B4-BE49-F238E27FC236}">
+                    <a16:creationId xmlns:a16="http://schemas.microsoft.com/office/drawing/2014/main" id="{16955DD7-694F-420D-8CDA-157CA4A3E0B4}"/>
+                  </a:ext>
+                </a:extLst>
+              </p:cNvPr>
+              <p:cNvSpPr/>
+              <p:nvPr/>
+            </p:nvSpPr>
+            <p:spPr>
+              <a:xfrm>
+                <a:off x="3057236" y="517563"/>
+                <a:ext cx="1440000" cy="648507"/>
+              </a:xfrm>
+              <a:prstGeom prst="roundRect">
+                <a:avLst/>
+              </a:prstGeom>
+              <a:noFill/>
+              <a:ln w="101600" cmpd="dbl">
+                <a:solidFill>
+                  <a:schemeClr val="accent6">
+                    <a:lumMod val="75000"/>
+                  </a:schemeClr>
+                </a:solidFill>
+              </a:ln>
+            </p:spPr>
+            <p:style>
+              <a:lnRef idx="2">
+                <a:schemeClr val="accent1">
+                  <a:shade val="50000"/>
+                </a:schemeClr>
+              </a:lnRef>
+              <a:fillRef idx="1">
+                <a:schemeClr val="accent1"/>
+              </a:fillRef>
+              <a:effectRef idx="0">
+                <a:schemeClr val="accent1"/>
+              </a:effectRef>
+              <a:fontRef idx="minor">
+                <a:schemeClr val="lt1"/>
+              </a:fontRef>
+            </p:style>
+            <p:txBody>
+              <a:bodyPr rtlCol="0" anchor="ctr"/>
+              <a:lstStyle/>
+              <a:p>
+                <a:pPr algn="ctr"/>
+                <a:r>
+                  <a:rPr lang="ko-KR" altLang="en-US" sz="2800" dirty="0">
+                    <a:solidFill>
+                      <a:schemeClr val="tx1"/>
+                    </a:solidFill>
+                    <a:latin typeface="배달의민족 주아" panose="02020603020101020101" pitchFamily="18" charset="-127"/>
+                    <a:ea typeface="배달의민족 주아" panose="02020603020101020101" pitchFamily="18" charset="-127"/>
+                  </a:rPr>
+                  <a:t>초등학생</a:t>
+                </a:r>
+              </a:p>
+            </p:txBody>
+          </p:sp>
+          <p:sp>
+            <p:nvSpPr>
+              <p:cNvPr id="11" name="TextBox 10">
+                <a:extLst>
+                  <a:ext uri="{FF2B5EF4-FFF2-40B4-BE49-F238E27FC236}">
+                    <a16:creationId xmlns:a16="http://schemas.microsoft.com/office/drawing/2014/main" id="{E58E99A4-FCB5-4455-B9D6-96B772093758}"/>
+                  </a:ext>
+                </a:extLst>
+              </p:cNvPr>
+              <p:cNvSpPr txBox="1"/>
+              <p:nvPr/>
+            </p:nvSpPr>
+            <p:spPr>
+              <a:xfrm>
+                <a:off x="4698472" y="434161"/>
+                <a:ext cx="5175370" cy="830997"/>
+              </a:xfrm>
+              <a:prstGeom prst="rect">
+                <a:avLst/>
+              </a:prstGeom>
+              <a:noFill/>
+            </p:spPr>
+            <p:txBody>
+              <a:bodyPr wrap="square" rtlCol="0">
+                <a:spAutoFit/>
+              </a:bodyPr>
+              <a:lstStyle/>
+              <a:p>
+                <a:pPr algn="ctr"/>
+                <a:r>
+                  <a:rPr lang="ko-KR" altLang="en-US" sz="4800" dirty="0">
+                    <a:latin typeface="배달의민족 주아" panose="02020603020101020101" pitchFamily="18" charset="-127"/>
+                    <a:ea typeface="배달의민족 주아" panose="02020603020101020101" pitchFamily="18" charset="-127"/>
+                  </a:rPr>
+                  <a:t>심부름을 하자</a:t>
+                </a:r>
+                <a:r>
+                  <a:rPr lang="en-US" altLang="ko-KR" sz="4800" dirty="0">
+                    <a:latin typeface="배달의민족 주아" panose="02020603020101020101" pitchFamily="18" charset="-127"/>
+                    <a:ea typeface="배달의민족 주아" panose="02020603020101020101" pitchFamily="18" charset="-127"/>
+                  </a:rPr>
+                  <a:t>!</a:t>
+                </a:r>
+                <a:endParaRPr lang="ko-KR" altLang="en-US" sz="4800" dirty="0">
+                  <a:latin typeface="배달의민족 주아" panose="02020603020101020101" pitchFamily="18" charset="-127"/>
+                  <a:ea typeface="배달의민족 주아" panose="02020603020101020101" pitchFamily="18" charset="-127"/>
+                </a:endParaRPr>
+              </a:p>
+            </p:txBody>
+          </p:sp>
+        </p:grpSp>
+        <p:grpSp>
+          <p:nvGrpSpPr>
+            <p:cNvPr id="12" name="그룹 11">
+              <a:extLst>
+                <a:ext uri="{FF2B5EF4-FFF2-40B4-BE49-F238E27FC236}">
+                  <a16:creationId xmlns:a16="http://schemas.microsoft.com/office/drawing/2014/main" id="{3832AD25-9662-4857-B097-71EB8F1BA84A}"/>
+                </a:ext>
+              </a:extLst>
+            </p:cNvPr>
+            <p:cNvGrpSpPr/>
+            <p:nvPr/>
+          </p:nvGrpSpPr>
+          <p:grpSpPr>
+            <a:xfrm>
+              <a:off x="2494800" y="3083276"/>
+              <a:ext cx="7202400" cy="934823"/>
+              <a:chOff x="2856000" y="382249"/>
+              <a:chExt cx="7202400" cy="934823"/>
+            </a:xfrm>
+          </p:grpSpPr>
+          <p:sp>
+            <p:nvSpPr>
+              <p:cNvPr id="13" name="사각형: 둥근 모서리 12">
+                <a:extLst>
+                  <a:ext uri="{FF2B5EF4-FFF2-40B4-BE49-F238E27FC236}">
+                    <a16:creationId xmlns:a16="http://schemas.microsoft.com/office/drawing/2014/main" id="{4BC9FA90-2E99-4A6B-9E36-2D5D7242F9F8}"/>
+                  </a:ext>
+                </a:extLst>
+              </p:cNvPr>
+              <p:cNvSpPr/>
+              <p:nvPr/>
+            </p:nvSpPr>
+            <p:spPr>
+              <a:xfrm>
+                <a:off x="2856000" y="382249"/>
+                <a:ext cx="7202400" cy="934823"/>
+              </a:xfrm>
+              <a:prstGeom prst="roundRect">
+                <a:avLst>
+                  <a:gd name="adj" fmla="val 7350"/>
+                </a:avLst>
+              </a:prstGeom>
+              <a:solidFill>
+                <a:schemeClr val="bg1"/>
+              </a:solidFill>
+              <a:ln>
+                <a:solidFill>
+                  <a:schemeClr val="tx1"/>
+                </a:solidFill>
+              </a:ln>
+            </p:spPr>
+            <p:style>
+              <a:lnRef idx="2">
+                <a:schemeClr val="accent1">
+                  <a:shade val="50000"/>
+                </a:schemeClr>
+              </a:lnRef>
+              <a:fillRef idx="1">
+                <a:schemeClr val="accent1"/>
+              </a:fillRef>
+              <a:effectRef idx="0">
+                <a:schemeClr val="accent1"/>
+              </a:effectRef>
+              <a:fontRef idx="minor">
+                <a:schemeClr val="lt1"/>
+              </a:fontRef>
+            </p:style>
+            <p:txBody>
+              <a:bodyPr rtlCol="0" anchor="ctr"/>
+              <a:lstStyle/>
+              <a:p>
+                <a:pPr algn="ctr"/>
+                <a:endParaRPr lang="ko-KR" altLang="en-US"/>
+              </a:p>
+            </p:txBody>
+          </p:sp>
+          <p:sp>
+            <p:nvSpPr>
+              <p:cNvPr id="14" name="사각형: 둥근 모서리 13">
+                <a:extLst>
+                  <a:ext uri="{FF2B5EF4-FFF2-40B4-BE49-F238E27FC236}">
+                    <a16:creationId xmlns:a16="http://schemas.microsoft.com/office/drawing/2014/main" id="{104040BF-FBAD-480E-83E4-FE9087503EE1}"/>
+                  </a:ext>
+                </a:extLst>
+              </p:cNvPr>
+              <p:cNvSpPr/>
+              <p:nvPr/>
+            </p:nvSpPr>
+            <p:spPr>
+              <a:xfrm>
+                <a:off x="3057236" y="517563"/>
+                <a:ext cx="1440000" cy="648507"/>
+              </a:xfrm>
+              <a:prstGeom prst="roundRect">
+                <a:avLst/>
+              </a:prstGeom>
+              <a:noFill/>
+              <a:ln w="101600" cmpd="dbl">
+                <a:solidFill>
+                  <a:schemeClr val="accent6">
+                    <a:lumMod val="75000"/>
+                  </a:schemeClr>
+                </a:solidFill>
+              </a:ln>
+            </p:spPr>
+            <p:style>
+              <a:lnRef idx="2">
+                <a:schemeClr val="accent1">
+                  <a:shade val="50000"/>
+                </a:schemeClr>
+              </a:lnRef>
+              <a:fillRef idx="1">
+                <a:schemeClr val="accent1"/>
+              </a:fillRef>
+              <a:effectRef idx="0">
+                <a:schemeClr val="accent1"/>
+              </a:effectRef>
+              <a:fontRef idx="minor">
+                <a:schemeClr val="lt1"/>
+              </a:fontRef>
+            </p:style>
+            <p:txBody>
+              <a:bodyPr rtlCol="0" anchor="ctr"/>
+              <a:lstStyle/>
+              <a:p>
+                <a:pPr algn="ctr"/>
+                <a:r>
+                  <a:rPr lang="ko-KR" altLang="en-US" sz="3600" dirty="0">
+                    <a:solidFill>
+                      <a:schemeClr val="tx1"/>
+                    </a:solidFill>
+                    <a:latin typeface="배달의민족 주아" panose="02020603020101020101" pitchFamily="18" charset="-127"/>
+                    <a:ea typeface="배달의민족 주아" panose="02020603020101020101" pitchFamily="18" charset="-127"/>
+                  </a:rPr>
+                  <a:t>중학생</a:t>
+                </a:r>
+              </a:p>
+            </p:txBody>
+          </p:sp>
+          <p:sp>
+            <p:nvSpPr>
+              <p:cNvPr id="15" name="TextBox 14">
+                <a:extLst>
+                  <a:ext uri="{FF2B5EF4-FFF2-40B4-BE49-F238E27FC236}">
+                    <a16:creationId xmlns:a16="http://schemas.microsoft.com/office/drawing/2014/main" id="{79C29478-3F9D-4411-978D-84D61FA81CBE}"/>
+                  </a:ext>
+                </a:extLst>
+              </p:cNvPr>
+              <p:cNvSpPr txBox="1"/>
+              <p:nvPr/>
+            </p:nvSpPr>
+            <p:spPr>
+              <a:xfrm>
+                <a:off x="4698472" y="434161"/>
+                <a:ext cx="5175370" cy="830997"/>
+              </a:xfrm>
+              <a:prstGeom prst="rect">
+                <a:avLst/>
+              </a:prstGeom>
+              <a:noFill/>
+            </p:spPr>
+            <p:txBody>
+              <a:bodyPr wrap="square" rtlCol="0">
+                <a:spAutoFit/>
+              </a:bodyPr>
+              <a:lstStyle/>
+              <a:p>
+                <a:pPr algn="ctr"/>
+                <a:r>
+                  <a:rPr lang="ko-KR" altLang="en-US" sz="4800" dirty="0" err="1">
+                    <a:latin typeface="배달의민족 주아" panose="02020603020101020101" pitchFamily="18" charset="-127"/>
+                    <a:ea typeface="배달의민족 주아" panose="02020603020101020101" pitchFamily="18" charset="-127"/>
+                  </a:rPr>
+                  <a:t>깡총랜드에</a:t>
+                </a:r>
+                <a:r>
+                  <a:rPr lang="ko-KR" altLang="en-US" sz="4800" dirty="0">
+                    <a:latin typeface="배달의민족 주아" panose="02020603020101020101" pitchFamily="18" charset="-127"/>
+                    <a:ea typeface="배달의민족 주아" panose="02020603020101020101" pitchFamily="18" charset="-127"/>
+                  </a:rPr>
+                  <a:t> 가자</a:t>
+                </a:r>
+                <a:r>
+                  <a:rPr lang="en-US" altLang="ko-KR" sz="4800" dirty="0">
+                    <a:latin typeface="배달의민족 주아" panose="02020603020101020101" pitchFamily="18" charset="-127"/>
+                    <a:ea typeface="배달의민족 주아" panose="02020603020101020101" pitchFamily="18" charset="-127"/>
+                  </a:rPr>
+                  <a:t>!</a:t>
+                </a:r>
+                <a:endParaRPr lang="ko-KR" altLang="en-US" sz="4800" dirty="0">
+                  <a:latin typeface="배달의민족 주아" panose="02020603020101020101" pitchFamily="18" charset="-127"/>
+                  <a:ea typeface="배달의민족 주아" panose="02020603020101020101" pitchFamily="18" charset="-127"/>
+                </a:endParaRPr>
+              </a:p>
+            </p:txBody>
+          </p:sp>
+        </p:grpSp>
+        <p:grpSp>
+          <p:nvGrpSpPr>
+            <p:cNvPr id="16" name="그룹 15">
+              <a:extLst>
+                <a:ext uri="{FF2B5EF4-FFF2-40B4-BE49-F238E27FC236}">
+                  <a16:creationId xmlns:a16="http://schemas.microsoft.com/office/drawing/2014/main" id="{A99FF8EB-D02C-422B-AF22-658791B1B155}"/>
+                </a:ext>
+              </a:extLst>
+            </p:cNvPr>
+            <p:cNvGrpSpPr/>
+            <p:nvPr/>
+          </p:nvGrpSpPr>
+          <p:grpSpPr>
+            <a:xfrm>
+              <a:off x="2494800" y="4264069"/>
+              <a:ext cx="7202400" cy="934823"/>
+              <a:chOff x="2856000" y="382249"/>
+              <a:chExt cx="7202400" cy="934823"/>
+            </a:xfrm>
+          </p:grpSpPr>
+          <p:sp>
+            <p:nvSpPr>
+              <p:cNvPr id="17" name="사각형: 둥근 모서리 16">
+                <a:extLst>
+                  <a:ext uri="{FF2B5EF4-FFF2-40B4-BE49-F238E27FC236}">
+                    <a16:creationId xmlns:a16="http://schemas.microsoft.com/office/drawing/2014/main" id="{8FC78DCB-5312-44E0-9A2F-0D4ADA529E48}"/>
+                  </a:ext>
+                </a:extLst>
+              </p:cNvPr>
+              <p:cNvSpPr/>
+              <p:nvPr/>
+            </p:nvSpPr>
+            <p:spPr>
+              <a:xfrm>
+                <a:off x="2856000" y="382249"/>
+                <a:ext cx="7202400" cy="934823"/>
+              </a:xfrm>
+              <a:prstGeom prst="roundRect">
+                <a:avLst>
+                  <a:gd name="adj" fmla="val 7350"/>
+                </a:avLst>
+              </a:prstGeom>
+              <a:solidFill>
+                <a:schemeClr val="bg1"/>
+              </a:solidFill>
+              <a:ln>
+                <a:solidFill>
+                  <a:schemeClr val="tx1"/>
+                </a:solidFill>
+              </a:ln>
+            </p:spPr>
+            <p:style>
+              <a:lnRef idx="2">
+                <a:schemeClr val="accent1">
+                  <a:shade val="50000"/>
+                </a:schemeClr>
+              </a:lnRef>
+              <a:fillRef idx="1">
+                <a:schemeClr val="accent1"/>
+              </a:fillRef>
+              <a:effectRef idx="0">
+                <a:schemeClr val="accent1"/>
+              </a:effectRef>
+              <a:fontRef idx="minor">
+                <a:schemeClr val="lt1"/>
+              </a:fontRef>
+            </p:style>
+            <p:txBody>
+              <a:bodyPr rtlCol="0" anchor="ctr"/>
+              <a:lstStyle/>
+              <a:p>
+                <a:pPr algn="ctr"/>
+                <a:endParaRPr lang="ko-KR" altLang="en-US"/>
+              </a:p>
+            </p:txBody>
+          </p:sp>
+          <p:sp>
+            <p:nvSpPr>
+              <p:cNvPr id="18" name="사각형: 둥근 모서리 17">
+                <a:extLst>
+                  <a:ext uri="{FF2B5EF4-FFF2-40B4-BE49-F238E27FC236}">
+                    <a16:creationId xmlns:a16="http://schemas.microsoft.com/office/drawing/2014/main" id="{57B457B5-3012-4E10-B86A-A2E93604FBAE}"/>
+                  </a:ext>
+                </a:extLst>
+              </p:cNvPr>
+              <p:cNvSpPr/>
+              <p:nvPr/>
+            </p:nvSpPr>
+            <p:spPr>
+              <a:xfrm>
+                <a:off x="3057236" y="517563"/>
+                <a:ext cx="1440000" cy="648507"/>
+              </a:xfrm>
+              <a:prstGeom prst="roundRect">
+                <a:avLst/>
+              </a:prstGeom>
+              <a:noFill/>
+              <a:ln w="101600" cmpd="dbl">
+                <a:solidFill>
+                  <a:schemeClr val="accent6">
+                    <a:lumMod val="75000"/>
+                  </a:schemeClr>
+                </a:solidFill>
+              </a:ln>
+            </p:spPr>
+            <p:style>
+              <a:lnRef idx="2">
+                <a:schemeClr val="accent1">
+                  <a:shade val="50000"/>
+                </a:schemeClr>
+              </a:lnRef>
+              <a:fillRef idx="1">
+                <a:schemeClr val="accent1"/>
+              </a:fillRef>
+              <a:effectRef idx="0">
+                <a:schemeClr val="accent1"/>
+              </a:effectRef>
+              <a:fontRef idx="minor">
+                <a:schemeClr val="lt1"/>
+              </a:fontRef>
+            </p:style>
+            <p:txBody>
+              <a:bodyPr rtlCol="0" anchor="ctr"/>
+              <a:lstStyle/>
+              <a:p>
+                <a:pPr algn="ctr"/>
+                <a:r>
+                  <a:rPr lang="ko-KR" altLang="en-US" sz="2800" dirty="0">
+                    <a:solidFill>
+                      <a:schemeClr val="tx1"/>
+                    </a:solidFill>
+                    <a:latin typeface="배달의민족 주아" panose="02020603020101020101" pitchFamily="18" charset="-127"/>
+                    <a:ea typeface="배달의민족 주아" panose="02020603020101020101" pitchFamily="18" charset="-127"/>
+                  </a:rPr>
+                  <a:t>고등학생</a:t>
+                </a:r>
+              </a:p>
+            </p:txBody>
+          </p:sp>
+          <p:sp>
+            <p:nvSpPr>
+              <p:cNvPr id="19" name="TextBox 18">
+                <a:extLst>
+                  <a:ext uri="{FF2B5EF4-FFF2-40B4-BE49-F238E27FC236}">
+                    <a16:creationId xmlns:a16="http://schemas.microsoft.com/office/drawing/2014/main" id="{0B9428C4-357C-48BE-B775-F1938262C4D8}"/>
+                  </a:ext>
+                </a:extLst>
+              </p:cNvPr>
+              <p:cNvSpPr txBox="1"/>
+              <p:nvPr/>
+            </p:nvSpPr>
+            <p:spPr>
+              <a:xfrm>
+                <a:off x="4698472" y="434161"/>
+                <a:ext cx="5175370" cy="830997"/>
+              </a:xfrm>
+              <a:prstGeom prst="rect">
+                <a:avLst/>
+              </a:prstGeom>
+              <a:noFill/>
+            </p:spPr>
+            <p:txBody>
+              <a:bodyPr wrap="square" rtlCol="0">
+                <a:spAutoFit/>
+              </a:bodyPr>
+              <a:lstStyle/>
+              <a:p>
+                <a:pPr algn="ctr"/>
+                <a:r>
+                  <a:rPr lang="ko-KR" altLang="en-US" sz="4800" dirty="0" err="1">
+                    <a:latin typeface="배달의민족 주아" panose="02020603020101020101" pitchFamily="18" charset="-127"/>
+                    <a:ea typeface="배달의민족 주아" panose="02020603020101020101" pitchFamily="18" charset="-127"/>
+                  </a:rPr>
+                  <a:t>블라블라</a:t>
+                </a:r>
+                <a:endParaRPr lang="ko-KR" altLang="en-US" sz="4800" dirty="0">
+                  <a:latin typeface="배달의민족 주아" panose="02020603020101020101" pitchFamily="18" charset="-127"/>
+                  <a:ea typeface="배달의민족 주아" panose="02020603020101020101" pitchFamily="18" charset="-127"/>
+                </a:endParaRPr>
+              </a:p>
+            </p:txBody>
+          </p:sp>
+        </p:grpSp>
+        <p:grpSp>
+          <p:nvGrpSpPr>
+            <p:cNvPr id="20" name="그룹 19">
+              <a:extLst>
+                <a:ext uri="{FF2B5EF4-FFF2-40B4-BE49-F238E27FC236}">
+                  <a16:creationId xmlns:a16="http://schemas.microsoft.com/office/drawing/2014/main" id="{CECFD7EA-EB80-4FA2-A867-0903F8A9D57D}"/>
+                </a:ext>
+              </a:extLst>
+            </p:cNvPr>
+            <p:cNvGrpSpPr/>
+            <p:nvPr/>
+          </p:nvGrpSpPr>
+          <p:grpSpPr>
+            <a:xfrm>
+              <a:off x="2494800" y="5444862"/>
+              <a:ext cx="7202400" cy="934823"/>
+              <a:chOff x="2856000" y="382249"/>
+              <a:chExt cx="7202400" cy="934823"/>
+            </a:xfrm>
+          </p:grpSpPr>
+          <p:sp>
+            <p:nvSpPr>
+              <p:cNvPr id="21" name="사각형: 둥근 모서리 20">
+                <a:extLst>
+                  <a:ext uri="{FF2B5EF4-FFF2-40B4-BE49-F238E27FC236}">
+                    <a16:creationId xmlns:a16="http://schemas.microsoft.com/office/drawing/2014/main" id="{2C34C0EC-7E77-4181-BF08-9F02CB335129}"/>
+                  </a:ext>
+                </a:extLst>
+              </p:cNvPr>
+              <p:cNvSpPr/>
+              <p:nvPr/>
+            </p:nvSpPr>
+            <p:spPr>
+              <a:xfrm>
+                <a:off x="2856000" y="382249"/>
+                <a:ext cx="7202400" cy="934823"/>
+              </a:xfrm>
+              <a:prstGeom prst="roundRect">
+                <a:avLst>
+                  <a:gd name="adj" fmla="val 7350"/>
+                </a:avLst>
+              </a:prstGeom>
+              <a:solidFill>
+                <a:schemeClr val="bg1"/>
+              </a:solidFill>
+              <a:ln>
+                <a:solidFill>
+                  <a:schemeClr val="tx1"/>
+                </a:solidFill>
+              </a:ln>
+            </p:spPr>
+            <p:style>
+              <a:lnRef idx="2">
+                <a:schemeClr val="accent1">
+                  <a:shade val="50000"/>
+                </a:schemeClr>
+              </a:lnRef>
+              <a:fillRef idx="1">
+                <a:schemeClr val="accent1"/>
+              </a:fillRef>
+              <a:effectRef idx="0">
+                <a:schemeClr val="accent1"/>
+              </a:effectRef>
+              <a:fontRef idx="minor">
+                <a:schemeClr val="lt1"/>
+              </a:fontRef>
+            </p:style>
+            <p:txBody>
+              <a:bodyPr rtlCol="0" anchor="ctr"/>
+              <a:lstStyle/>
+              <a:p>
+                <a:pPr algn="ctr"/>
+                <a:endParaRPr lang="ko-KR" altLang="en-US"/>
+              </a:p>
+            </p:txBody>
+          </p:sp>
+          <p:sp>
+            <p:nvSpPr>
+              <p:cNvPr id="22" name="사각형: 둥근 모서리 21">
+                <a:extLst>
+                  <a:ext uri="{FF2B5EF4-FFF2-40B4-BE49-F238E27FC236}">
+                    <a16:creationId xmlns:a16="http://schemas.microsoft.com/office/drawing/2014/main" id="{B03035AF-71BF-4290-A63B-869E577EBE34}"/>
+                  </a:ext>
+                </a:extLst>
+              </p:cNvPr>
+              <p:cNvSpPr/>
+              <p:nvPr/>
+            </p:nvSpPr>
+            <p:spPr>
+              <a:xfrm>
+                <a:off x="3057236" y="517563"/>
+                <a:ext cx="1440000" cy="648507"/>
+              </a:xfrm>
+              <a:prstGeom prst="roundRect">
+                <a:avLst/>
+              </a:prstGeom>
+              <a:noFill/>
+              <a:ln w="101600" cmpd="dbl">
+                <a:solidFill>
+                  <a:schemeClr val="accent6">
+                    <a:lumMod val="75000"/>
+                  </a:schemeClr>
+                </a:solidFill>
+              </a:ln>
+            </p:spPr>
+            <p:style>
+              <a:lnRef idx="2">
+                <a:schemeClr val="accent1">
+                  <a:shade val="50000"/>
+                </a:schemeClr>
+              </a:lnRef>
+              <a:fillRef idx="1">
+                <a:schemeClr val="accent1"/>
+              </a:fillRef>
+              <a:effectRef idx="0">
+                <a:schemeClr val="accent1"/>
+              </a:effectRef>
+              <a:fontRef idx="minor">
+                <a:schemeClr val="lt1"/>
+              </a:fontRef>
+            </p:style>
+            <p:txBody>
+              <a:bodyPr rtlCol="0" anchor="ctr"/>
+              <a:lstStyle/>
+              <a:p>
+                <a:pPr algn="ctr"/>
+                <a:r>
+                  <a:rPr lang="ko-KR" altLang="en-US" sz="3600" dirty="0">
+                    <a:solidFill>
+                      <a:schemeClr val="tx1"/>
+                    </a:solidFill>
+                    <a:latin typeface="배달의민족 주아" panose="02020603020101020101" pitchFamily="18" charset="-127"/>
+                    <a:ea typeface="배달의민족 주아" panose="02020603020101020101" pitchFamily="18" charset="-127"/>
+                  </a:rPr>
+                  <a:t>대학생</a:t>
+                </a:r>
+              </a:p>
+            </p:txBody>
+          </p:sp>
+          <p:sp>
+            <p:nvSpPr>
+              <p:cNvPr id="23" name="TextBox 22">
+                <a:extLst>
+                  <a:ext uri="{FF2B5EF4-FFF2-40B4-BE49-F238E27FC236}">
+                    <a16:creationId xmlns:a16="http://schemas.microsoft.com/office/drawing/2014/main" id="{79710DE2-ADA8-4F47-8700-67CBE235D029}"/>
+                  </a:ext>
+                </a:extLst>
+              </p:cNvPr>
+              <p:cNvSpPr txBox="1"/>
+              <p:nvPr/>
+            </p:nvSpPr>
+            <p:spPr>
+              <a:xfrm>
+                <a:off x="4698472" y="434161"/>
+                <a:ext cx="5175370" cy="830997"/>
+              </a:xfrm>
+              <a:prstGeom prst="rect">
+                <a:avLst/>
+              </a:prstGeom>
+              <a:noFill/>
+            </p:spPr>
+            <p:txBody>
+              <a:bodyPr wrap="square" rtlCol="0">
+                <a:spAutoFit/>
+              </a:bodyPr>
+              <a:lstStyle/>
+              <a:p>
+                <a:pPr algn="ctr"/>
+                <a:r>
+                  <a:rPr lang="en-US" altLang="ko-KR" sz="4800" dirty="0">
+                    <a:latin typeface="배달의민족 주아" panose="02020603020101020101" pitchFamily="18" charset="-127"/>
+                    <a:ea typeface="배달의민족 주아" panose="02020603020101020101" pitchFamily="18" charset="-127"/>
+                  </a:rPr>
+                  <a:t>~~~</a:t>
+                </a:r>
+                <a:endParaRPr lang="ko-KR" altLang="en-US" sz="4800" dirty="0">
+                  <a:latin typeface="배달의민족 주아" panose="02020603020101020101" pitchFamily="18" charset="-127"/>
+                  <a:ea typeface="배달의민족 주아" panose="02020603020101020101" pitchFamily="18" charset="-127"/>
+                </a:endParaRPr>
+              </a:p>
+            </p:txBody>
+          </p:sp>
+        </p:grpSp>
+      </p:grpSp>
+    </p:spTree>
+    <p:extLst>
+      <p:ext uri="{BB962C8B-B14F-4D97-AF65-F5344CB8AC3E}">
+        <p14:creationId xmlns:p14="http://schemas.microsoft.com/office/powerpoint/2010/main" val="146661264"/>
+      </p:ext>
+    </p:extLst>
+  </p:cSld>
+  <p:clrMapOvr>
+    <a:masterClrMapping/>
+  </p:clrMapOvr>
+</p:sld>
+</file>
+
 <file path=ppt/theme/theme1.xml><?xml version="1.0" encoding="utf-8"?>
 <a:theme xmlns:a="http://schemas.openxmlformats.org/drawingml/2006/main" name="Office 테마">
   <a:themeElements>
